--- a/Assicurazioni/Tecniche per lo sviluppo di codice sicuro_ita.pptx
+++ b/Assicurazioni/Tecniche per lo sviluppo di codice sicuro_ita.pptx
@@ -5,13 +5,16 @@
     <p:sldMasterId id="2147483648" r:id="rId5"/>
   </p:sldMasterIdLst>
   <p:notesMasterIdLst>
-    <p:notesMasterId r:id="rId10"/>
+    <p:notesMasterId r:id="rId13"/>
   </p:notesMasterIdLst>
   <p:sldIdLst>
     <p:sldId id="256" r:id="rId6"/>
     <p:sldId id="365" r:id="rId7"/>
     <p:sldId id="366" r:id="rId8"/>
-    <p:sldId id="343" r:id="rId9"/>
+    <p:sldId id="367" r:id="rId9"/>
+    <p:sldId id="368" r:id="rId10"/>
+    <p:sldId id="369" r:id="rId11"/>
+    <p:sldId id="343" r:id="rId12"/>
   </p:sldIdLst>
   <p:sldSz cx="12192000" cy="6858000"/>
   <p:notesSz cx="6858000" cy="9144000"/>
@@ -269,7 +272,7 @@
               <a:pPr>
                 <a:defRPr/>
               </a:pPr>
-              <a:t>3/26/2023</a:t>
+              <a:t>3/27/2023</a:t>
             </a:fld>
             <a:endParaRPr lang="en-US"/>
           </a:p>
@@ -6826,7 +6829,7 @@
         <p:spPr>
           <a:xfrm>
             <a:off x="326297" y="1213806"/>
-            <a:ext cx="7607881" cy="4392612"/>
+            <a:ext cx="6904497" cy="4392612"/>
           </a:xfrm>
         </p:spPr>
         <p:txBody>
@@ -6847,6 +6850,17 @@
               </a:tabLst>
             </a:pPr>
             <a:r>
+              <a:rPr lang="it-IT" sz="2400" b="1">
+                <a:solidFill>
+                  <a:schemeClr val="tx1"/>
+                </a:solidFill>
+                <a:latin typeface="Tahoma" panose="020B0604030504040204" pitchFamily="34" charset="0"/>
+                <a:ea typeface="Tahoma" panose="020B0604030504040204" pitchFamily="34" charset="0"/>
+                <a:cs typeface="Tahoma" panose="020B0604030504040204" pitchFamily="34" charset="0"/>
+              </a:rPr>
+              <a:t>L’analisi</a:t>
+            </a:r>
+            <a:r>
               <a:rPr lang="it-IT" sz="2400">
                 <a:solidFill>
                   <a:schemeClr val="tx1"/>
@@ -6855,7 +6869,7 @@
                 <a:ea typeface="Tahoma" panose="020B0604030504040204" pitchFamily="34" charset="0"/>
                 <a:cs typeface="Tahoma" panose="020B0604030504040204" pitchFamily="34" charset="0"/>
               </a:rPr>
-              <a:t>La </a:t>
+              <a:t> </a:t>
             </a:r>
             <a:r>
               <a:rPr lang="it-IT" sz="2400" b="1">
@@ -6866,7 +6880,7 @@
                 <a:ea typeface="Tahoma" panose="020B0604030504040204" pitchFamily="34" charset="0"/>
                 <a:cs typeface="Tahoma" panose="020B0604030504040204" pitchFamily="34" charset="0"/>
               </a:rPr>
-              <a:t>Programmazione</a:t>
+              <a:t>di</a:t>
             </a:r>
             <a:r>
               <a:rPr lang="it-IT" sz="2400">
@@ -6888,7 +6902,7 @@
                 <a:ea typeface="Tahoma" panose="020B0604030504040204" pitchFamily="34" charset="0"/>
                 <a:cs typeface="Tahoma" panose="020B0604030504040204" pitchFamily="34" charset="0"/>
               </a:rPr>
-              <a:t>Imperativa (Imperative</a:t>
+              <a:t>Sicurezza</a:t>
             </a:r>
             <a:r>
               <a:rPr lang="it-IT" sz="2400">
@@ -6899,7 +6913,7 @@
                 <a:ea typeface="Tahoma" panose="020B0604030504040204" pitchFamily="34" charset="0"/>
                 <a:cs typeface="Tahoma" panose="020B0604030504040204" pitchFamily="34" charset="0"/>
               </a:rPr>
-              <a:t> </a:t>
+              <a:t> rappresenta il primo passo per realizzare un prodotto che soddisfi i principi di </a:t>
             </a:r>
             <a:r>
               <a:rPr lang="it-IT" sz="2400" b="1">
@@ -6910,7 +6924,7 @@
                 <a:ea typeface="Tahoma" panose="020B0604030504040204" pitchFamily="34" charset="0"/>
                 <a:cs typeface="Tahoma" panose="020B0604030504040204" pitchFamily="34" charset="0"/>
               </a:rPr>
-              <a:t>Programming)</a:t>
+              <a:t>confidenzialità</a:t>
             </a:r>
             <a:r>
               <a:rPr lang="it-IT" sz="2400">
@@ -6921,7 +6935,51 @@
                 <a:ea typeface="Tahoma" panose="020B0604030504040204" pitchFamily="34" charset="0"/>
                 <a:cs typeface="Tahoma" panose="020B0604030504040204" pitchFamily="34" charset="0"/>
               </a:rPr>
-              <a:t> è un paradigma della programmazione informatica in cui il programma descrive i passaggi che modificano lo stato del computer. </a:t>
+              <a:t>, </a:t>
+            </a:r>
+            <a:r>
+              <a:rPr lang="it-IT" sz="2400" b="1">
+                <a:solidFill>
+                  <a:schemeClr val="tx1"/>
+                </a:solidFill>
+                <a:latin typeface="Tahoma" panose="020B0604030504040204" pitchFamily="34" charset="0"/>
+                <a:ea typeface="Tahoma" panose="020B0604030504040204" pitchFamily="34" charset="0"/>
+                <a:cs typeface="Tahoma" panose="020B0604030504040204" pitchFamily="34" charset="0"/>
+              </a:rPr>
+              <a:t>integrità</a:t>
+            </a:r>
+            <a:r>
+              <a:rPr lang="it-IT" sz="2400">
+                <a:solidFill>
+                  <a:schemeClr val="tx1"/>
+                </a:solidFill>
+                <a:latin typeface="Tahoma" panose="020B0604030504040204" pitchFamily="34" charset="0"/>
+                <a:ea typeface="Tahoma" panose="020B0604030504040204" pitchFamily="34" charset="0"/>
+                <a:cs typeface="Tahoma" panose="020B0604030504040204" pitchFamily="34" charset="0"/>
+              </a:rPr>
+              <a:t>, e </a:t>
+            </a:r>
+            <a:r>
+              <a:rPr lang="it-IT" sz="2400" b="1">
+                <a:solidFill>
+                  <a:schemeClr val="tx1"/>
+                </a:solidFill>
+                <a:latin typeface="Tahoma" panose="020B0604030504040204" pitchFamily="34" charset="0"/>
+                <a:ea typeface="Tahoma" panose="020B0604030504040204" pitchFamily="34" charset="0"/>
+                <a:cs typeface="Tahoma" panose="020B0604030504040204" pitchFamily="34" charset="0"/>
+              </a:rPr>
+              <a:t>disponibilità</a:t>
+            </a:r>
+            <a:r>
+              <a:rPr lang="it-IT" sz="2400">
+                <a:solidFill>
+                  <a:schemeClr val="tx1"/>
+                </a:solidFill>
+                <a:latin typeface="Tahoma" panose="020B0604030504040204" pitchFamily="34" charset="0"/>
+                <a:ea typeface="Tahoma" panose="020B0604030504040204" pitchFamily="34" charset="0"/>
+                <a:cs typeface="Tahoma" panose="020B0604030504040204" pitchFamily="34" charset="0"/>
+              </a:rPr>
+              <a:t>. Ecco come procedere allo sviluppo di software che siano stabili e sicuri.</a:t>
             </a:r>
           </a:p>
           <a:p>
@@ -6947,7 +7005,7 @@
                 <a:ea typeface="Tahoma" panose="020B0604030504040204" pitchFamily="34" charset="0"/>
                 <a:cs typeface="Tahoma" panose="020B0604030504040204" pitchFamily="34" charset="0"/>
               </a:rPr>
-              <a:t>Questa </a:t>
+              <a:t>Lo </a:t>
             </a:r>
             <a:r>
               <a:rPr lang="it-IT" sz="2400" b="1">
@@ -6958,7 +7016,7 @@
                 <a:ea typeface="Tahoma" panose="020B0604030504040204" pitchFamily="34" charset="0"/>
                 <a:cs typeface="Tahoma" panose="020B0604030504040204" pitchFamily="34" charset="0"/>
               </a:rPr>
-              <a:t>programmazione</a:t>
+              <a:t>Sviluppo del Software</a:t>
             </a:r>
             <a:r>
               <a:rPr lang="it-IT" sz="2400">
@@ -6969,7 +7027,121 @@
                 <a:ea typeface="Tahoma" panose="020B0604030504040204" pitchFamily="34" charset="0"/>
                 <a:cs typeface="Tahoma" panose="020B0604030504040204" pitchFamily="34" charset="0"/>
               </a:rPr>
-              <a:t> dice esplicitamente al computer 'come' realizzare qualcosa, invece che concentrarsi sul 'cosa' (prerogativa invece della programmazione dichiarativa, di cui fa parte la programmazione funzionale).</a:t>
+              <a:t> è il </a:t>
+            </a:r>
+            <a:r>
+              <a:rPr lang="it-IT" sz="2400" b="1">
+                <a:solidFill>
+                  <a:schemeClr val="tx1"/>
+                </a:solidFill>
+                <a:latin typeface="Tahoma" panose="020B0604030504040204" pitchFamily="34" charset="0"/>
+                <a:ea typeface="Tahoma" panose="020B0604030504040204" pitchFamily="34" charset="0"/>
+                <a:cs typeface="Tahoma" panose="020B0604030504040204" pitchFamily="34" charset="0"/>
+              </a:rPr>
+              <a:t>mix</a:t>
+            </a:r>
+            <a:r>
+              <a:rPr lang="it-IT" sz="2400">
+                <a:solidFill>
+                  <a:schemeClr val="tx1"/>
+                </a:solidFill>
+                <a:latin typeface="Tahoma" panose="020B0604030504040204" pitchFamily="34" charset="0"/>
+                <a:ea typeface="Tahoma" panose="020B0604030504040204" pitchFamily="34" charset="0"/>
+                <a:cs typeface="Tahoma" panose="020B0604030504040204" pitchFamily="34" charset="0"/>
+              </a:rPr>
+              <a:t> di design, architettura, programmazione e test. </a:t>
+            </a:r>
+          </a:p>
+          <a:p>
+            <a:pPr marL="342900" indent="-342900" algn="just">
+              <a:lnSpc>
+                <a:spcPct val="115000"/>
+              </a:lnSpc>
+              <a:spcBef>
+                <a:spcPts val="2400"/>
+              </a:spcBef>
+              <a:buFont typeface="Wingdings" panose="05000000000000000000" pitchFamily="2" charset="2"/>
+              <a:buChar char="ü"/>
+              <a:tabLst>
+                <a:tab pos="457200" algn="l"/>
+              </a:tabLst>
+            </a:pPr>
+            <a:r>
+              <a:rPr lang="it-IT" sz="2400">
+                <a:solidFill>
+                  <a:schemeClr val="tx1"/>
+                </a:solidFill>
+                <a:latin typeface="Tahoma" panose="020B0604030504040204" pitchFamily="34" charset="0"/>
+                <a:ea typeface="Tahoma" panose="020B0604030504040204" pitchFamily="34" charset="0"/>
+                <a:cs typeface="Tahoma" panose="020B0604030504040204" pitchFamily="34" charset="0"/>
+              </a:rPr>
+              <a:t>Non avere la </a:t>
+            </a:r>
+            <a:r>
+              <a:rPr lang="it-IT" sz="2400" b="1">
+                <a:solidFill>
+                  <a:schemeClr val="tx1"/>
+                </a:solidFill>
+                <a:latin typeface="Tahoma" panose="020B0604030504040204" pitchFamily="34" charset="0"/>
+                <a:ea typeface="Tahoma" panose="020B0604030504040204" pitchFamily="34" charset="0"/>
+                <a:cs typeface="Tahoma" panose="020B0604030504040204" pitchFamily="34" charset="0"/>
+              </a:rPr>
+              <a:t>sicurezza</a:t>
+            </a:r>
+            <a:r>
+              <a:rPr lang="it-IT" sz="2400">
+                <a:solidFill>
+                  <a:schemeClr val="tx1"/>
+                </a:solidFill>
+                <a:latin typeface="Tahoma" panose="020B0604030504040204" pitchFamily="34" charset="0"/>
+                <a:ea typeface="Tahoma" panose="020B0604030504040204" pitchFamily="34" charset="0"/>
+                <a:cs typeface="Tahoma" panose="020B0604030504040204" pitchFamily="34" charset="0"/>
+              </a:rPr>
+              <a:t> come requisito porta a un prodotto </a:t>
+            </a:r>
+            <a:r>
+              <a:rPr lang="it-IT" sz="2400" b="1">
+                <a:solidFill>
+                  <a:schemeClr val="tx1"/>
+                </a:solidFill>
+                <a:latin typeface="Tahoma" panose="020B0604030504040204" pitchFamily="34" charset="0"/>
+                <a:ea typeface="Tahoma" panose="020B0604030504040204" pitchFamily="34" charset="0"/>
+                <a:cs typeface="Tahoma" panose="020B0604030504040204" pitchFamily="34" charset="0"/>
+              </a:rPr>
+              <a:t>scadente</a:t>
+            </a:r>
+            <a:r>
+              <a:rPr lang="it-IT" sz="2400">
+                <a:solidFill>
+                  <a:schemeClr val="tx1"/>
+                </a:solidFill>
+                <a:latin typeface="Tahoma" panose="020B0604030504040204" pitchFamily="34" charset="0"/>
+                <a:ea typeface="Tahoma" panose="020B0604030504040204" pitchFamily="34" charset="0"/>
+                <a:cs typeface="Tahoma" panose="020B0604030504040204" pitchFamily="34" charset="0"/>
+              </a:rPr>
+              <a:t>, perdite di tempo e </a:t>
+            </a:r>
+            <a:r>
+              <a:rPr lang="it-IT" sz="2400" b="1">
+                <a:solidFill>
+                  <a:schemeClr val="tx1"/>
+                </a:solidFill>
+                <a:latin typeface="Tahoma" panose="020B0604030504040204" pitchFamily="34" charset="0"/>
+                <a:ea typeface="Tahoma" panose="020B0604030504040204" pitchFamily="34" charset="0"/>
+                <a:cs typeface="Tahoma" panose="020B0604030504040204" pitchFamily="34" charset="0"/>
+              </a:rPr>
+              <a:t>costi</a:t>
+            </a:r>
+            <a:r>
+              <a:rPr lang="it-IT" sz="2400">
+                <a:solidFill>
+                  <a:schemeClr val="tx1"/>
+                </a:solidFill>
+                <a:latin typeface="Tahoma" panose="020B0604030504040204" pitchFamily="34" charset="0"/>
+                <a:ea typeface="Tahoma" panose="020B0604030504040204" pitchFamily="34" charset="0"/>
+                <a:cs typeface="Tahoma" panose="020B0604030504040204" pitchFamily="34" charset="0"/>
+              </a:rPr>
+              <a:t> inutili.</a:t>
             </a:r>
           </a:p>
         </p:txBody>
@@ -7027,7 +7199,7 @@
         </p:nvSpPr>
         <p:spPr>
           <a:xfrm>
-            <a:off x="468313" y="671508"/>
+            <a:off x="461169" y="422999"/>
             <a:ext cx="11269662" cy="384721"/>
           </a:xfrm>
         </p:spPr>
@@ -7050,6 +7222,36 @@
           </a:p>
         </p:txBody>
       </p:sp>
+      <p:pic>
+        <p:nvPicPr>
+          <p:cNvPr id="4" name="Immagine 3" descr="Immagine che contiene testo&#10;&#10;Descrizione generata automaticamente">
+            <a:extLst>
+              <a:ext uri="{FF2B5EF4-FFF2-40B4-BE49-F238E27FC236}">
+                <a16:creationId xmlns:a16="http://schemas.microsoft.com/office/drawing/2014/main" id="{F9BC9F6B-A3D2-AA84-CE1D-4D1C47F60353}"/>
+              </a:ext>
+            </a:extLst>
+          </p:cNvPr>
+          <p:cNvPicPr>
+            <a:picLocks noChangeAspect="1"/>
+          </p:cNvPicPr>
+          <p:nvPr/>
+        </p:nvPicPr>
+        <p:blipFill>
+          <a:blip r:embed="rId2"/>
+          <a:stretch>
+            <a:fillRect/>
+          </a:stretch>
+        </p:blipFill>
+        <p:spPr>
+          <a:xfrm>
+            <a:off x="7784269" y="1740437"/>
+            <a:ext cx="4065523" cy="4027317"/>
+          </a:xfrm>
+          <a:prstGeom prst="rect">
+            <a:avLst/>
+          </a:prstGeom>
+        </p:spPr>
+      </p:pic>
     </p:spTree>
     <p:extLst>
       <p:ext uri="{BB962C8B-B14F-4D97-AF65-F5344CB8AC3E}">
@@ -7082,6 +7284,470 @@
       </p:grpSpPr>
       <p:sp>
         <p:nvSpPr>
+          <p:cNvPr id="2" name="Segnaposto testo 1">
+            <a:extLst>
+              <a:ext uri="{FF2B5EF4-FFF2-40B4-BE49-F238E27FC236}">
+                <a16:creationId xmlns:a16="http://schemas.microsoft.com/office/drawing/2014/main" id="{E5AE986C-196F-4141-A898-FA4C4198CDCC}"/>
+              </a:ext>
+            </a:extLst>
+          </p:cNvPr>
+          <p:cNvSpPr>
+            <a:spLocks noGrp="1"/>
+          </p:cNvSpPr>
+          <p:nvPr>
+            <p:ph type="body" idx="1"/>
+          </p:nvPr>
+        </p:nvSpPr>
+        <p:spPr>
+          <a:xfrm>
+            <a:off x="326297" y="1213806"/>
+            <a:ext cx="7903303" cy="4392612"/>
+          </a:xfrm>
+        </p:spPr>
+        <p:txBody>
+          <a:bodyPr/>
+          <a:lstStyle/>
+          <a:p>
+            <a:pPr marL="342900" indent="-342900" algn="just">
+              <a:lnSpc>
+                <a:spcPct val="115000"/>
+              </a:lnSpc>
+              <a:spcBef>
+                <a:spcPts val="2400"/>
+              </a:spcBef>
+              <a:buFont typeface="Wingdings" panose="05000000000000000000" pitchFamily="2" charset="2"/>
+              <a:buChar char="ü"/>
+              <a:tabLst>
+                <a:tab pos="457200" algn="l"/>
+              </a:tabLst>
+            </a:pPr>
+            <a:r>
+              <a:rPr lang="it-IT" sz="2400" b="1">
+                <a:solidFill>
+                  <a:schemeClr val="tx1"/>
+                </a:solidFill>
+                <a:latin typeface="Tahoma" panose="020B0604030504040204" pitchFamily="34" charset="0"/>
+                <a:ea typeface="Tahoma" panose="020B0604030504040204" pitchFamily="34" charset="0"/>
+                <a:cs typeface="Tahoma" panose="020B0604030504040204" pitchFamily="34" charset="0"/>
+              </a:rPr>
+              <a:t>Lo sviluppo di un software</a:t>
+            </a:r>
+            <a:r>
+              <a:rPr lang="it-IT" sz="2400">
+                <a:solidFill>
+                  <a:schemeClr val="tx1"/>
+                </a:solidFill>
+                <a:latin typeface="Tahoma" panose="020B0604030504040204" pitchFamily="34" charset="0"/>
+                <a:ea typeface="Tahoma" panose="020B0604030504040204" pitchFamily="34" charset="0"/>
+                <a:cs typeface="Tahoma" panose="020B0604030504040204" pitchFamily="34" charset="0"/>
+              </a:rPr>
+              <a:t> – tutto ciò che contiene del codice di </a:t>
+            </a:r>
+            <a:r>
+              <a:rPr lang="it-IT" sz="2400" b="1">
+                <a:solidFill>
+                  <a:schemeClr val="tx1"/>
+                </a:solidFill>
+                <a:latin typeface="Tahoma" panose="020B0604030504040204" pitchFamily="34" charset="0"/>
+                <a:ea typeface="Tahoma" panose="020B0604030504040204" pitchFamily="34" charset="0"/>
+                <a:cs typeface="Tahoma" panose="020B0604030504040204" pitchFamily="34" charset="0"/>
+              </a:rPr>
+              <a:t>programmazione</a:t>
+            </a:r>
+            <a:r>
+              <a:rPr lang="it-IT" sz="2400">
+                <a:solidFill>
+                  <a:schemeClr val="tx1"/>
+                </a:solidFill>
+                <a:latin typeface="Tahoma" panose="020B0604030504040204" pitchFamily="34" charset="0"/>
+                <a:ea typeface="Tahoma" panose="020B0604030504040204" pitchFamily="34" charset="0"/>
+                <a:cs typeface="Tahoma" panose="020B0604030504040204" pitchFamily="34" charset="0"/>
+              </a:rPr>
+              <a:t>, come un eseguibile per computer, sito web, DBMS o applicazione mobile – è una attività </a:t>
+            </a:r>
+            <a:r>
+              <a:rPr lang="it-IT" sz="2400" b="1">
+                <a:solidFill>
+                  <a:schemeClr val="tx1"/>
+                </a:solidFill>
+                <a:latin typeface="Tahoma" panose="020B0604030504040204" pitchFamily="34" charset="0"/>
+                <a:ea typeface="Tahoma" panose="020B0604030504040204" pitchFamily="34" charset="0"/>
+                <a:cs typeface="Tahoma" panose="020B0604030504040204" pitchFamily="34" charset="0"/>
+              </a:rPr>
+              <a:t>onerosa</a:t>
+            </a:r>
+            <a:r>
+              <a:rPr lang="it-IT" sz="2400">
+                <a:solidFill>
+                  <a:schemeClr val="tx1"/>
+                </a:solidFill>
+                <a:latin typeface="Tahoma" panose="020B0604030504040204" pitchFamily="34" charset="0"/>
+                <a:ea typeface="Tahoma" panose="020B0604030504040204" pitchFamily="34" charset="0"/>
+                <a:cs typeface="Tahoma" panose="020B0604030504040204" pitchFamily="34" charset="0"/>
+              </a:rPr>
+              <a:t> che richiede tempo e </a:t>
+            </a:r>
+            <a:r>
+              <a:rPr lang="it-IT" sz="2400" b="1">
+                <a:solidFill>
+                  <a:schemeClr val="tx1"/>
+                </a:solidFill>
+                <a:latin typeface="Tahoma" panose="020B0604030504040204" pitchFamily="34" charset="0"/>
+                <a:ea typeface="Tahoma" panose="020B0604030504040204" pitchFamily="34" charset="0"/>
+                <a:cs typeface="Tahoma" panose="020B0604030504040204" pitchFamily="34" charset="0"/>
+              </a:rPr>
+              <a:t>investimenti</a:t>
+            </a:r>
+            <a:r>
+              <a:rPr lang="it-IT" sz="2400">
+                <a:solidFill>
+                  <a:schemeClr val="tx1"/>
+                </a:solidFill>
+                <a:latin typeface="Tahoma" panose="020B0604030504040204" pitchFamily="34" charset="0"/>
+                <a:ea typeface="Tahoma" panose="020B0604030504040204" pitchFamily="34" charset="0"/>
+                <a:cs typeface="Tahoma" panose="020B0604030504040204" pitchFamily="34" charset="0"/>
+              </a:rPr>
+              <a:t> </a:t>
+            </a:r>
+            <a:r>
+              <a:rPr lang="it-IT" sz="2400" b="1">
+                <a:solidFill>
+                  <a:schemeClr val="tx1"/>
+                </a:solidFill>
+                <a:latin typeface="Tahoma" panose="020B0604030504040204" pitchFamily="34" charset="0"/>
+                <a:ea typeface="Tahoma" panose="020B0604030504040204" pitchFamily="34" charset="0"/>
+                <a:cs typeface="Tahoma" panose="020B0604030504040204" pitchFamily="34" charset="0"/>
+              </a:rPr>
+              <a:t>economici</a:t>
+            </a:r>
+            <a:r>
+              <a:rPr lang="it-IT" sz="2400">
+                <a:solidFill>
+                  <a:schemeClr val="tx1"/>
+                </a:solidFill>
+                <a:latin typeface="Tahoma" panose="020B0604030504040204" pitchFamily="34" charset="0"/>
+                <a:ea typeface="Tahoma" panose="020B0604030504040204" pitchFamily="34" charset="0"/>
+                <a:cs typeface="Tahoma" panose="020B0604030504040204" pitchFamily="34" charset="0"/>
+              </a:rPr>
+              <a:t>.</a:t>
+            </a:r>
+          </a:p>
+          <a:p>
+            <a:pPr marL="342900" indent="-342900" algn="just">
+              <a:lnSpc>
+                <a:spcPct val="115000"/>
+              </a:lnSpc>
+              <a:spcBef>
+                <a:spcPts val="2400"/>
+              </a:spcBef>
+              <a:buFont typeface="Wingdings" panose="05000000000000000000" pitchFamily="2" charset="2"/>
+              <a:buChar char="ü"/>
+              <a:tabLst>
+                <a:tab pos="457200" algn="l"/>
+              </a:tabLst>
+            </a:pPr>
+            <a:r>
+              <a:rPr lang="it-IT" sz="2400">
+                <a:solidFill>
+                  <a:schemeClr val="tx1"/>
+                </a:solidFill>
+                <a:latin typeface="Tahoma" panose="020B0604030504040204" pitchFamily="34" charset="0"/>
+                <a:ea typeface="Tahoma" panose="020B0604030504040204" pitchFamily="34" charset="0"/>
+                <a:cs typeface="Tahoma" panose="020B0604030504040204" pitchFamily="34" charset="0"/>
+              </a:rPr>
+              <a:t>Le </a:t>
+            </a:r>
+            <a:r>
+              <a:rPr lang="it-IT" sz="2400" b="1">
+                <a:solidFill>
+                  <a:schemeClr val="tx1"/>
+                </a:solidFill>
+                <a:latin typeface="Tahoma" panose="020B0604030504040204" pitchFamily="34" charset="0"/>
+                <a:ea typeface="Tahoma" panose="020B0604030504040204" pitchFamily="34" charset="0"/>
+                <a:cs typeface="Tahoma" panose="020B0604030504040204" pitchFamily="34" charset="0"/>
+              </a:rPr>
+              <a:t>attività</a:t>
+            </a:r>
+            <a:r>
+              <a:rPr lang="it-IT" sz="2400">
+                <a:solidFill>
+                  <a:schemeClr val="tx1"/>
+                </a:solidFill>
+                <a:latin typeface="Tahoma" panose="020B0604030504040204" pitchFamily="34" charset="0"/>
+                <a:ea typeface="Tahoma" panose="020B0604030504040204" pitchFamily="34" charset="0"/>
+                <a:cs typeface="Tahoma" panose="020B0604030504040204" pitchFamily="34" charset="0"/>
+              </a:rPr>
+              <a:t> </a:t>
+            </a:r>
+            <a:r>
+              <a:rPr lang="it-IT" sz="2400" b="1">
+                <a:solidFill>
+                  <a:schemeClr val="tx1"/>
+                </a:solidFill>
+                <a:latin typeface="Tahoma" panose="020B0604030504040204" pitchFamily="34" charset="0"/>
+                <a:ea typeface="Tahoma" panose="020B0604030504040204" pitchFamily="34" charset="0"/>
+                <a:cs typeface="Tahoma" panose="020B0604030504040204" pitchFamily="34" charset="0"/>
+              </a:rPr>
+              <a:t>di</a:t>
+            </a:r>
+            <a:r>
+              <a:rPr lang="it-IT" sz="2400">
+                <a:solidFill>
+                  <a:schemeClr val="tx1"/>
+                </a:solidFill>
+                <a:latin typeface="Tahoma" panose="020B0604030504040204" pitchFamily="34" charset="0"/>
+                <a:ea typeface="Tahoma" panose="020B0604030504040204" pitchFamily="34" charset="0"/>
+                <a:cs typeface="Tahoma" panose="020B0604030504040204" pitchFamily="34" charset="0"/>
+              </a:rPr>
+              <a:t> </a:t>
+            </a:r>
+            <a:r>
+              <a:rPr lang="it-IT" sz="2400" b="1">
+                <a:solidFill>
+                  <a:schemeClr val="tx1"/>
+                </a:solidFill>
+                <a:latin typeface="Tahoma" panose="020B0604030504040204" pitchFamily="34" charset="0"/>
+                <a:ea typeface="Tahoma" panose="020B0604030504040204" pitchFamily="34" charset="0"/>
+                <a:cs typeface="Tahoma" panose="020B0604030504040204" pitchFamily="34" charset="0"/>
+              </a:rPr>
+              <a:t>sviluppo</a:t>
+            </a:r>
+            <a:r>
+              <a:rPr lang="it-IT" sz="2400">
+                <a:solidFill>
+                  <a:schemeClr val="tx1"/>
+                </a:solidFill>
+                <a:latin typeface="Tahoma" panose="020B0604030504040204" pitchFamily="34" charset="0"/>
+                <a:ea typeface="Tahoma" panose="020B0604030504040204" pitchFamily="34" charset="0"/>
+                <a:cs typeface="Tahoma" panose="020B0604030504040204" pitchFamily="34" charset="0"/>
+              </a:rPr>
+              <a:t> sono svolte da professionisti del </a:t>
+            </a:r>
+            <a:r>
+              <a:rPr lang="it-IT" sz="2400" b="1">
+                <a:solidFill>
+                  <a:schemeClr val="tx1"/>
+                </a:solidFill>
+                <a:latin typeface="Tahoma" panose="020B0604030504040204" pitchFamily="34" charset="0"/>
+                <a:ea typeface="Tahoma" panose="020B0604030504040204" pitchFamily="34" charset="0"/>
+                <a:cs typeface="Tahoma" panose="020B0604030504040204" pitchFamily="34" charset="0"/>
+              </a:rPr>
+              <a:t>design</a:t>
+            </a:r>
+            <a:r>
+              <a:rPr lang="it-IT" sz="2400">
+                <a:solidFill>
+                  <a:schemeClr val="tx1"/>
+                </a:solidFill>
+                <a:latin typeface="Tahoma" panose="020B0604030504040204" pitchFamily="34" charset="0"/>
+                <a:ea typeface="Tahoma" panose="020B0604030504040204" pitchFamily="34" charset="0"/>
+                <a:cs typeface="Tahoma" panose="020B0604030504040204" pitchFamily="34" charset="0"/>
+              </a:rPr>
+              <a:t>, </a:t>
+            </a:r>
+            <a:r>
+              <a:rPr lang="it-IT" sz="2400" b="1">
+                <a:solidFill>
+                  <a:schemeClr val="tx1"/>
+                </a:solidFill>
+                <a:latin typeface="Tahoma" panose="020B0604030504040204" pitchFamily="34" charset="0"/>
+                <a:ea typeface="Tahoma" panose="020B0604030504040204" pitchFamily="34" charset="0"/>
+                <a:cs typeface="Tahoma" panose="020B0604030504040204" pitchFamily="34" charset="0"/>
+              </a:rPr>
+              <a:t>progettazione</a:t>
+            </a:r>
+            <a:r>
+              <a:rPr lang="it-IT" sz="2400">
+                <a:solidFill>
+                  <a:schemeClr val="tx1"/>
+                </a:solidFill>
+                <a:latin typeface="Tahoma" panose="020B0604030504040204" pitchFamily="34" charset="0"/>
+                <a:ea typeface="Tahoma" panose="020B0604030504040204" pitchFamily="34" charset="0"/>
+                <a:cs typeface="Tahoma" panose="020B0604030504040204" pitchFamily="34" charset="0"/>
+              </a:rPr>
+              <a:t>, </a:t>
+            </a:r>
+            <a:r>
+              <a:rPr lang="it-IT" sz="2400" b="1">
+                <a:solidFill>
+                  <a:schemeClr val="tx1"/>
+                </a:solidFill>
+                <a:latin typeface="Tahoma" panose="020B0604030504040204" pitchFamily="34" charset="0"/>
+                <a:ea typeface="Tahoma" panose="020B0604030504040204" pitchFamily="34" charset="0"/>
+                <a:cs typeface="Tahoma" panose="020B0604030504040204" pitchFamily="34" charset="0"/>
+              </a:rPr>
+              <a:t>programmazione</a:t>
+            </a:r>
+            <a:r>
+              <a:rPr lang="it-IT" sz="2400">
+                <a:solidFill>
+                  <a:schemeClr val="tx1"/>
+                </a:solidFill>
+                <a:latin typeface="Tahoma" panose="020B0604030504040204" pitchFamily="34" charset="0"/>
+                <a:ea typeface="Tahoma" panose="020B0604030504040204" pitchFamily="34" charset="0"/>
+                <a:cs typeface="Tahoma" panose="020B0604030504040204" pitchFamily="34" charset="0"/>
+              </a:rPr>
+              <a:t> e </a:t>
+            </a:r>
+            <a:r>
+              <a:rPr lang="it-IT" sz="2400" b="1">
+                <a:solidFill>
+                  <a:schemeClr val="tx1"/>
+                </a:solidFill>
+                <a:latin typeface="Tahoma" panose="020B0604030504040204" pitchFamily="34" charset="0"/>
+                <a:ea typeface="Tahoma" panose="020B0604030504040204" pitchFamily="34" charset="0"/>
+                <a:cs typeface="Tahoma" panose="020B0604030504040204" pitchFamily="34" charset="0"/>
+              </a:rPr>
+              <a:t>test</a:t>
+            </a:r>
+            <a:r>
+              <a:rPr lang="it-IT" sz="2400">
+                <a:solidFill>
+                  <a:schemeClr val="tx1"/>
+                </a:solidFill>
+                <a:latin typeface="Tahoma" panose="020B0604030504040204" pitchFamily="34" charset="0"/>
+                <a:ea typeface="Tahoma" panose="020B0604030504040204" pitchFamily="34" charset="0"/>
+                <a:cs typeface="Tahoma" panose="020B0604030504040204" pitchFamily="34" charset="0"/>
+              </a:rPr>
+              <a:t>, generalmente con notevoli competenze nei relativi settori. La fase di </a:t>
+            </a:r>
+            <a:r>
+              <a:rPr lang="it-IT" sz="2400" b="1">
+                <a:solidFill>
+                  <a:schemeClr val="tx1"/>
+                </a:solidFill>
+                <a:latin typeface="Tahoma" panose="020B0604030504040204" pitchFamily="34" charset="0"/>
+                <a:ea typeface="Tahoma" panose="020B0604030504040204" pitchFamily="34" charset="0"/>
+                <a:cs typeface="Tahoma" panose="020B0604030504040204" pitchFamily="34" charset="0"/>
+              </a:rPr>
+              <a:t>controllo</a:t>
+            </a:r>
+            <a:r>
+              <a:rPr lang="it-IT" sz="2400">
+                <a:solidFill>
+                  <a:schemeClr val="tx1"/>
+                </a:solidFill>
+                <a:latin typeface="Tahoma" panose="020B0604030504040204" pitchFamily="34" charset="0"/>
+                <a:ea typeface="Tahoma" panose="020B0604030504040204" pitchFamily="34" charset="0"/>
+                <a:cs typeface="Tahoma" panose="020B0604030504040204" pitchFamily="34" charset="0"/>
+              </a:rPr>
+              <a:t> della </a:t>
+            </a:r>
+            <a:r>
+              <a:rPr lang="it-IT" sz="2400" b="1">
+                <a:solidFill>
+                  <a:schemeClr val="tx1"/>
+                </a:solidFill>
+                <a:latin typeface="Tahoma" panose="020B0604030504040204" pitchFamily="34" charset="0"/>
+                <a:ea typeface="Tahoma" panose="020B0604030504040204" pitchFamily="34" charset="0"/>
+                <a:cs typeface="Tahoma" panose="020B0604030504040204" pitchFamily="34" charset="0"/>
+              </a:rPr>
+              <a:t>sicurezza</a:t>
+            </a:r>
+            <a:r>
+              <a:rPr lang="it-IT" sz="2400">
+                <a:solidFill>
+                  <a:schemeClr val="tx1"/>
+                </a:solidFill>
+                <a:latin typeface="Tahoma" panose="020B0604030504040204" pitchFamily="34" charset="0"/>
+                <a:ea typeface="Tahoma" panose="020B0604030504040204" pitchFamily="34" charset="0"/>
+                <a:cs typeface="Tahoma" panose="020B0604030504040204" pitchFamily="34" charset="0"/>
+              </a:rPr>
+              <a:t> – </a:t>
+            </a:r>
+            <a:r>
+              <a:rPr lang="it-IT" sz="2400" b="1">
+                <a:solidFill>
+                  <a:schemeClr val="tx1"/>
+                </a:solidFill>
+                <a:latin typeface="Tahoma" panose="020B0604030504040204" pitchFamily="34" charset="0"/>
+                <a:ea typeface="Tahoma" panose="020B0604030504040204" pitchFamily="34" charset="0"/>
+                <a:cs typeface="Tahoma" panose="020B0604030504040204" pitchFamily="34" charset="0"/>
+              </a:rPr>
+              <a:t>confidenzialità</a:t>
+            </a:r>
+            <a:r>
+              <a:rPr lang="it-IT" sz="2400">
+                <a:solidFill>
+                  <a:schemeClr val="tx1"/>
+                </a:solidFill>
+                <a:latin typeface="Tahoma" panose="020B0604030504040204" pitchFamily="34" charset="0"/>
+                <a:ea typeface="Tahoma" panose="020B0604030504040204" pitchFamily="34" charset="0"/>
+                <a:cs typeface="Tahoma" panose="020B0604030504040204" pitchFamily="34" charset="0"/>
+              </a:rPr>
+              <a:t>, </a:t>
+            </a:r>
+            <a:r>
+              <a:rPr lang="it-IT" sz="2400" b="1">
+                <a:solidFill>
+                  <a:schemeClr val="tx1"/>
+                </a:solidFill>
+                <a:latin typeface="Tahoma" panose="020B0604030504040204" pitchFamily="34" charset="0"/>
+                <a:ea typeface="Tahoma" panose="020B0604030504040204" pitchFamily="34" charset="0"/>
+                <a:cs typeface="Tahoma" panose="020B0604030504040204" pitchFamily="34" charset="0"/>
+              </a:rPr>
+              <a:t>integrità</a:t>
+            </a:r>
+            <a:r>
+              <a:rPr lang="it-IT" sz="2400">
+                <a:solidFill>
+                  <a:schemeClr val="tx1"/>
+                </a:solidFill>
+                <a:latin typeface="Tahoma" panose="020B0604030504040204" pitchFamily="34" charset="0"/>
+                <a:ea typeface="Tahoma" panose="020B0604030504040204" pitchFamily="34" charset="0"/>
+                <a:cs typeface="Tahoma" panose="020B0604030504040204" pitchFamily="34" charset="0"/>
+              </a:rPr>
+              <a:t>, </a:t>
+            </a:r>
+            <a:r>
+              <a:rPr lang="it-IT" sz="2400" b="1">
+                <a:solidFill>
+                  <a:schemeClr val="tx1"/>
+                </a:solidFill>
+                <a:latin typeface="Tahoma" panose="020B0604030504040204" pitchFamily="34" charset="0"/>
+                <a:ea typeface="Tahoma" panose="020B0604030504040204" pitchFamily="34" charset="0"/>
+                <a:cs typeface="Tahoma" panose="020B0604030504040204" pitchFamily="34" charset="0"/>
+              </a:rPr>
+              <a:t>disponibilità</a:t>
+            </a:r>
+            <a:r>
+              <a:rPr lang="it-IT" sz="2400">
+                <a:solidFill>
+                  <a:schemeClr val="tx1"/>
+                </a:solidFill>
+                <a:latin typeface="Tahoma" panose="020B0604030504040204" pitchFamily="34" charset="0"/>
+                <a:ea typeface="Tahoma" panose="020B0604030504040204" pitchFamily="34" charset="0"/>
+                <a:cs typeface="Tahoma" panose="020B0604030504040204" pitchFamily="34" charset="0"/>
+              </a:rPr>
+              <a:t> – è però troppo spesso ignorata o eseguita con </a:t>
+            </a:r>
+            <a:r>
+              <a:rPr lang="it-IT" sz="2400" b="1">
+                <a:solidFill>
+                  <a:schemeClr val="tx1"/>
+                </a:solidFill>
+                <a:latin typeface="Tahoma" panose="020B0604030504040204" pitchFamily="34" charset="0"/>
+                <a:ea typeface="Tahoma" panose="020B0604030504040204" pitchFamily="34" charset="0"/>
+                <a:cs typeface="Tahoma" panose="020B0604030504040204" pitchFamily="34" charset="0"/>
+              </a:rPr>
+              <a:t>superficialità</a:t>
+            </a:r>
+            <a:r>
+              <a:rPr lang="it-IT" sz="2400">
+                <a:solidFill>
+                  <a:schemeClr val="tx1"/>
+                </a:solidFill>
+                <a:latin typeface="Tahoma" panose="020B0604030504040204" pitchFamily="34" charset="0"/>
+                <a:ea typeface="Tahoma" panose="020B0604030504040204" pitchFamily="34" charset="0"/>
+                <a:cs typeface="Tahoma" panose="020B0604030504040204" pitchFamily="34" charset="0"/>
+              </a:rPr>
+              <a:t>.</a:t>
+            </a:r>
+          </a:p>
+        </p:txBody>
+      </p:sp>
+      <p:sp>
+        <p:nvSpPr>
           <p:cNvPr id="7" name="Segnaposto numero diapositiva 6">
             <a:extLst>
               <a:ext uri="{FF2B5EF4-FFF2-40B4-BE49-F238E27FC236}">
@@ -7133,8 +7799,8 @@
         </p:nvSpPr>
         <p:spPr>
           <a:xfrm>
-            <a:off x="468313" y="286788"/>
-            <a:ext cx="11269662" cy="769441"/>
+            <a:off x="461169" y="422999"/>
+            <a:ext cx="11269662" cy="384721"/>
           </a:xfrm>
         </p:spPr>
         <p:txBody>
@@ -7150,44 +7816,46 @@
                 <a:ea typeface="Tahoma" panose="020B0604030504040204" pitchFamily="34" charset="0"/>
                 <a:cs typeface="Tahoma" panose="020B0604030504040204" pitchFamily="34" charset="0"/>
               </a:rPr>
-              <a:t>Programmazione Imperativa</a:t>
-            </a:r>
-            <a:br>
-              <a:rPr lang="it-IT"/>
-            </a:br>
+              <a:t>Tecniche per lo sviluppo di codice sicuro</a:t>
+            </a:r>
             <a:endParaRPr lang="it-IT" dirty="0"/>
           </a:p>
         </p:txBody>
       </p:sp>
-      <p:sp>
-        <p:nvSpPr>
-          <p:cNvPr id="3" name="Segnaposto testo 2">
+      <p:pic>
+        <p:nvPicPr>
+          <p:cNvPr id="5" name="Immagine 4" descr="Immagine che contiene testo, elettronica&#10;&#10;Descrizione generata automaticamente">
             <a:extLst>
               <a:ext uri="{FF2B5EF4-FFF2-40B4-BE49-F238E27FC236}">
-                <a16:creationId xmlns:a16="http://schemas.microsoft.com/office/drawing/2014/main" id="{188267F9-E0FE-ECE7-93E7-6C65FDC7BC7A}"/>
+                <a16:creationId xmlns:a16="http://schemas.microsoft.com/office/drawing/2014/main" id="{15464A07-5318-1040-1D99-5EDC9D8C2FE2}"/>
               </a:ext>
             </a:extLst>
           </p:cNvPr>
-          <p:cNvSpPr>
-            <a:spLocks noGrp="1"/>
-          </p:cNvSpPr>
-          <p:nvPr>
-            <p:ph type="body" idx="1"/>
-          </p:nvPr>
-        </p:nvSpPr>
-        <p:spPr/>
-        <p:txBody>
-          <a:bodyPr/>
-          <a:lstStyle/>
-          <a:p>
-            <a:endParaRPr lang="it-IT"/>
-          </a:p>
-        </p:txBody>
-      </p:sp>
+          <p:cNvPicPr>
+            <a:picLocks noChangeAspect="1"/>
+          </p:cNvPicPr>
+          <p:nvPr/>
+        </p:nvPicPr>
+        <p:blipFill>
+          <a:blip r:embed="rId2"/>
+          <a:stretch>
+            <a:fillRect/>
+          </a:stretch>
+        </p:blipFill>
+        <p:spPr>
+          <a:xfrm>
+            <a:off x="8567224" y="2249292"/>
+            <a:ext cx="3390847" cy="2941686"/>
+          </a:xfrm>
+          <a:prstGeom prst="rect">
+            <a:avLst/>
+          </a:prstGeom>
+        </p:spPr>
+      </p:pic>
     </p:spTree>
     <p:extLst>
       <p:ext uri="{BB962C8B-B14F-4D97-AF65-F5344CB8AC3E}">
-        <p14:creationId xmlns:p14="http://schemas.microsoft.com/office/powerpoint/2010/main" val="400520006"/>
+        <p14:creationId xmlns:p14="http://schemas.microsoft.com/office/powerpoint/2010/main" val="2139027370"/>
       </p:ext>
     </p:extLst>
   </p:cSld>
@@ -7216,6 +7884,591 @@
       </p:grpSpPr>
       <p:sp>
         <p:nvSpPr>
+          <p:cNvPr id="2" name="Segnaposto testo 1">
+            <a:extLst>
+              <a:ext uri="{FF2B5EF4-FFF2-40B4-BE49-F238E27FC236}">
+                <a16:creationId xmlns:a16="http://schemas.microsoft.com/office/drawing/2014/main" id="{E5AE986C-196F-4141-A898-FA4C4198CDCC}"/>
+              </a:ext>
+            </a:extLst>
+          </p:cNvPr>
+          <p:cNvSpPr>
+            <a:spLocks noGrp="1"/>
+          </p:cNvSpPr>
+          <p:nvPr>
+            <p:ph type="body" idx="1"/>
+          </p:nvPr>
+        </p:nvSpPr>
+        <p:spPr>
+          <a:xfrm>
+            <a:off x="326297" y="1213806"/>
+            <a:ext cx="11687512" cy="4392612"/>
+          </a:xfrm>
+        </p:spPr>
+        <p:txBody>
+          <a:bodyPr/>
+          <a:lstStyle/>
+          <a:p>
+            <a:pPr marL="342900" indent="-342900" algn="just">
+              <a:lnSpc>
+                <a:spcPct val="115000"/>
+              </a:lnSpc>
+              <a:spcBef>
+                <a:spcPts val="2400"/>
+              </a:spcBef>
+              <a:buFont typeface="Wingdings" panose="05000000000000000000" pitchFamily="2" charset="2"/>
+              <a:buChar char="ü"/>
+              <a:tabLst>
+                <a:tab pos="457200" algn="l"/>
+              </a:tabLst>
+            </a:pPr>
+            <a:r>
+              <a:rPr lang="it-IT" sz="2400">
+                <a:solidFill>
+                  <a:schemeClr val="tx1"/>
+                </a:solidFill>
+                <a:latin typeface="Tahoma" panose="020B0604030504040204" pitchFamily="34" charset="0"/>
+                <a:ea typeface="Tahoma" panose="020B0604030504040204" pitchFamily="34" charset="0"/>
+                <a:cs typeface="Tahoma" panose="020B0604030504040204" pitchFamily="34" charset="0"/>
+              </a:rPr>
+              <a:t>Il non lavorare secondo le regole e linee guida del </a:t>
+            </a:r>
+            <a:r>
+              <a:rPr lang="it-IT" sz="2400" b="1">
+                <a:solidFill>
+                  <a:schemeClr val="tx1"/>
+                </a:solidFill>
+                <a:latin typeface="Tahoma" panose="020B0604030504040204" pitchFamily="34" charset="0"/>
+                <a:ea typeface="Tahoma" panose="020B0604030504040204" pitchFamily="34" charset="0"/>
+                <a:cs typeface="Tahoma" panose="020B0604030504040204" pitchFamily="34" charset="0"/>
+              </a:rPr>
+              <a:t>Secure</a:t>
+            </a:r>
+            <a:r>
+              <a:rPr lang="it-IT" sz="2400">
+                <a:solidFill>
+                  <a:schemeClr val="tx1"/>
+                </a:solidFill>
+                <a:latin typeface="Tahoma" panose="020B0604030504040204" pitchFamily="34" charset="0"/>
+                <a:ea typeface="Tahoma" panose="020B0604030504040204" pitchFamily="34" charset="0"/>
+                <a:cs typeface="Tahoma" panose="020B0604030504040204" pitchFamily="34" charset="0"/>
+              </a:rPr>
+              <a:t> </a:t>
+            </a:r>
+            <a:r>
+              <a:rPr lang="it-IT" sz="2400" b="1">
+                <a:solidFill>
+                  <a:schemeClr val="tx1"/>
+                </a:solidFill>
+                <a:latin typeface="Tahoma" panose="020B0604030504040204" pitchFamily="34" charset="0"/>
+                <a:ea typeface="Tahoma" panose="020B0604030504040204" pitchFamily="34" charset="0"/>
+                <a:cs typeface="Tahoma" panose="020B0604030504040204" pitchFamily="34" charset="0"/>
+              </a:rPr>
+              <a:t>Coding</a:t>
+            </a:r>
+            <a:r>
+              <a:rPr lang="it-IT" sz="2400">
+                <a:solidFill>
+                  <a:schemeClr val="tx1"/>
+                </a:solidFill>
+                <a:latin typeface="Tahoma" panose="020B0604030504040204" pitchFamily="34" charset="0"/>
+                <a:ea typeface="Tahoma" panose="020B0604030504040204" pitchFamily="34" charset="0"/>
+                <a:cs typeface="Tahoma" panose="020B0604030504040204" pitchFamily="34" charset="0"/>
+              </a:rPr>
+              <a:t> può portare a ottenere un prodotto </a:t>
+            </a:r>
+            <a:r>
+              <a:rPr lang="it-IT" sz="2400" b="1">
+                <a:solidFill>
+                  <a:schemeClr val="tx1"/>
+                </a:solidFill>
+                <a:latin typeface="Tahoma" panose="020B0604030504040204" pitchFamily="34" charset="0"/>
+                <a:ea typeface="Tahoma" panose="020B0604030504040204" pitchFamily="34" charset="0"/>
+                <a:cs typeface="Tahoma" panose="020B0604030504040204" pitchFamily="34" charset="0"/>
+              </a:rPr>
+              <a:t>scadente</a:t>
+            </a:r>
+            <a:r>
+              <a:rPr lang="it-IT" sz="2400">
+                <a:solidFill>
+                  <a:schemeClr val="tx1"/>
+                </a:solidFill>
+                <a:latin typeface="Tahoma" panose="020B0604030504040204" pitchFamily="34" charset="0"/>
+                <a:ea typeface="Tahoma" panose="020B0604030504040204" pitchFamily="34" charset="0"/>
+                <a:cs typeface="Tahoma" panose="020B0604030504040204" pitchFamily="34" charset="0"/>
+              </a:rPr>
+              <a:t>, e quindi a perdere la </a:t>
+            </a:r>
+            <a:r>
+              <a:rPr lang="it-IT" sz="2400" b="1">
+                <a:solidFill>
+                  <a:schemeClr val="tx1"/>
+                </a:solidFill>
+                <a:latin typeface="Tahoma" panose="020B0604030504040204" pitchFamily="34" charset="0"/>
+                <a:ea typeface="Tahoma" panose="020B0604030504040204" pitchFamily="34" charset="0"/>
+                <a:cs typeface="Tahoma" panose="020B0604030504040204" pitchFamily="34" charset="0"/>
+              </a:rPr>
+              <a:t>fiducia</a:t>
+            </a:r>
+            <a:r>
+              <a:rPr lang="it-IT" sz="2400">
+                <a:solidFill>
+                  <a:schemeClr val="tx1"/>
+                </a:solidFill>
+                <a:latin typeface="Tahoma" panose="020B0604030504040204" pitchFamily="34" charset="0"/>
+                <a:ea typeface="Tahoma" panose="020B0604030504040204" pitchFamily="34" charset="0"/>
+                <a:cs typeface="Tahoma" panose="020B0604030504040204" pitchFamily="34" charset="0"/>
+              </a:rPr>
+              <a:t> </a:t>
+            </a:r>
+            <a:r>
+              <a:rPr lang="it-IT" sz="2400" b="1">
+                <a:solidFill>
+                  <a:schemeClr val="tx1"/>
+                </a:solidFill>
+                <a:latin typeface="Tahoma" panose="020B0604030504040204" pitchFamily="34" charset="0"/>
+                <a:ea typeface="Tahoma" panose="020B0604030504040204" pitchFamily="34" charset="0"/>
+                <a:cs typeface="Tahoma" panose="020B0604030504040204" pitchFamily="34" charset="0"/>
+              </a:rPr>
+              <a:t>di</a:t>
+            </a:r>
+            <a:r>
+              <a:rPr lang="it-IT" sz="2400">
+                <a:solidFill>
+                  <a:schemeClr val="tx1"/>
+                </a:solidFill>
+                <a:latin typeface="Tahoma" panose="020B0604030504040204" pitchFamily="34" charset="0"/>
+                <a:ea typeface="Tahoma" panose="020B0604030504040204" pitchFamily="34" charset="0"/>
+                <a:cs typeface="Tahoma" panose="020B0604030504040204" pitchFamily="34" charset="0"/>
+              </a:rPr>
+              <a:t> </a:t>
+            </a:r>
+            <a:r>
+              <a:rPr lang="it-IT" sz="2400" b="1">
+                <a:solidFill>
+                  <a:schemeClr val="tx1"/>
+                </a:solidFill>
+                <a:latin typeface="Tahoma" panose="020B0604030504040204" pitchFamily="34" charset="0"/>
+                <a:ea typeface="Tahoma" panose="020B0604030504040204" pitchFamily="34" charset="0"/>
+                <a:cs typeface="Tahoma" panose="020B0604030504040204" pitchFamily="34" charset="0"/>
+              </a:rPr>
+              <a:t>clienti</a:t>
+            </a:r>
+            <a:r>
+              <a:rPr lang="it-IT" sz="2400">
+                <a:solidFill>
+                  <a:schemeClr val="tx1"/>
+                </a:solidFill>
+                <a:latin typeface="Tahoma" panose="020B0604030504040204" pitchFamily="34" charset="0"/>
+                <a:ea typeface="Tahoma" panose="020B0604030504040204" pitchFamily="34" charset="0"/>
+                <a:cs typeface="Tahoma" panose="020B0604030504040204" pitchFamily="34" charset="0"/>
+              </a:rPr>
+              <a:t>, fornitori e di tutti gli altri </a:t>
+            </a:r>
+            <a:r>
+              <a:rPr lang="it-IT" sz="2400" b="1">
+                <a:solidFill>
+                  <a:schemeClr val="tx1"/>
+                </a:solidFill>
+                <a:latin typeface="Tahoma" panose="020B0604030504040204" pitchFamily="34" charset="0"/>
+                <a:ea typeface="Tahoma" panose="020B0604030504040204" pitchFamily="34" charset="0"/>
+                <a:cs typeface="Tahoma" panose="020B0604030504040204" pitchFamily="34" charset="0"/>
+              </a:rPr>
+              <a:t>stakeholder</a:t>
+            </a:r>
+            <a:r>
+              <a:rPr lang="it-IT" sz="2400">
+                <a:solidFill>
+                  <a:schemeClr val="tx1"/>
+                </a:solidFill>
+                <a:latin typeface="Tahoma" panose="020B0604030504040204" pitchFamily="34" charset="0"/>
+                <a:ea typeface="Tahoma" panose="020B0604030504040204" pitchFamily="34" charset="0"/>
+                <a:cs typeface="Tahoma" panose="020B0604030504040204" pitchFamily="34" charset="0"/>
+              </a:rPr>
+              <a:t>, oltre a importanti </a:t>
+            </a:r>
+            <a:r>
+              <a:rPr lang="it-IT" sz="2400" b="1">
+                <a:solidFill>
+                  <a:schemeClr val="tx1"/>
+                </a:solidFill>
+                <a:latin typeface="Tahoma" panose="020B0604030504040204" pitchFamily="34" charset="0"/>
+                <a:ea typeface="Tahoma" panose="020B0604030504040204" pitchFamily="34" charset="0"/>
+                <a:cs typeface="Tahoma" panose="020B0604030504040204" pitchFamily="34" charset="0"/>
+              </a:rPr>
+              <a:t>danni</a:t>
+            </a:r>
+            <a:r>
+              <a:rPr lang="it-IT" sz="2400">
+                <a:solidFill>
+                  <a:schemeClr val="tx1"/>
+                </a:solidFill>
+                <a:latin typeface="Tahoma" panose="020B0604030504040204" pitchFamily="34" charset="0"/>
+                <a:ea typeface="Tahoma" panose="020B0604030504040204" pitchFamily="34" charset="0"/>
+                <a:cs typeface="Tahoma" panose="020B0604030504040204" pitchFamily="34" charset="0"/>
+              </a:rPr>
+              <a:t> </a:t>
+            </a:r>
+            <a:r>
+              <a:rPr lang="it-IT" sz="2400" b="1">
+                <a:solidFill>
+                  <a:schemeClr val="tx1"/>
+                </a:solidFill>
+                <a:latin typeface="Tahoma" panose="020B0604030504040204" pitchFamily="34" charset="0"/>
+                <a:ea typeface="Tahoma" panose="020B0604030504040204" pitchFamily="34" charset="0"/>
+                <a:cs typeface="Tahoma" panose="020B0604030504040204" pitchFamily="34" charset="0"/>
+              </a:rPr>
+              <a:t>economici</a:t>
+            </a:r>
+            <a:r>
+              <a:rPr lang="it-IT" sz="2400">
+                <a:solidFill>
+                  <a:schemeClr val="tx1"/>
+                </a:solidFill>
+                <a:latin typeface="Tahoma" panose="020B0604030504040204" pitchFamily="34" charset="0"/>
+                <a:ea typeface="Tahoma" panose="020B0604030504040204" pitchFamily="34" charset="0"/>
+                <a:cs typeface="Tahoma" panose="020B0604030504040204" pitchFamily="34" charset="0"/>
+              </a:rPr>
+              <a:t> dovuti a blocchi nelle attività, </a:t>
+            </a:r>
+            <a:r>
+              <a:rPr lang="it-IT" sz="2400" b="1">
+                <a:solidFill>
+                  <a:schemeClr val="tx1"/>
+                </a:solidFill>
+                <a:latin typeface="Tahoma" panose="020B0604030504040204" pitchFamily="34" charset="0"/>
+                <a:ea typeface="Tahoma" panose="020B0604030504040204" pitchFamily="34" charset="0"/>
+                <a:cs typeface="Tahoma" panose="020B0604030504040204" pitchFamily="34" charset="0"/>
+              </a:rPr>
+              <a:t>perdita</a:t>
+            </a:r>
+            <a:r>
+              <a:rPr lang="it-IT" sz="2400">
+                <a:solidFill>
+                  <a:schemeClr val="tx1"/>
+                </a:solidFill>
+                <a:latin typeface="Tahoma" panose="020B0604030504040204" pitchFamily="34" charset="0"/>
+                <a:ea typeface="Tahoma" panose="020B0604030504040204" pitchFamily="34" charset="0"/>
+                <a:cs typeface="Tahoma" panose="020B0604030504040204" pitchFamily="34" charset="0"/>
+              </a:rPr>
+              <a:t> </a:t>
+            </a:r>
+            <a:r>
+              <a:rPr lang="it-IT" sz="2400" b="1">
+                <a:solidFill>
+                  <a:schemeClr val="tx1"/>
+                </a:solidFill>
+                <a:latin typeface="Tahoma" panose="020B0604030504040204" pitchFamily="34" charset="0"/>
+                <a:ea typeface="Tahoma" panose="020B0604030504040204" pitchFamily="34" charset="0"/>
+                <a:cs typeface="Tahoma" panose="020B0604030504040204" pitchFamily="34" charset="0"/>
+              </a:rPr>
+              <a:t>di</a:t>
+            </a:r>
+            <a:r>
+              <a:rPr lang="it-IT" sz="2400">
+                <a:solidFill>
+                  <a:schemeClr val="tx1"/>
+                </a:solidFill>
+                <a:latin typeface="Tahoma" panose="020B0604030504040204" pitchFamily="34" charset="0"/>
+                <a:ea typeface="Tahoma" panose="020B0604030504040204" pitchFamily="34" charset="0"/>
+                <a:cs typeface="Tahoma" panose="020B0604030504040204" pitchFamily="34" charset="0"/>
+              </a:rPr>
+              <a:t> </a:t>
+            </a:r>
+            <a:r>
+              <a:rPr lang="it-IT" sz="2400" b="1">
+                <a:solidFill>
+                  <a:schemeClr val="tx1"/>
+                </a:solidFill>
+                <a:latin typeface="Tahoma" panose="020B0604030504040204" pitchFamily="34" charset="0"/>
+                <a:ea typeface="Tahoma" panose="020B0604030504040204" pitchFamily="34" charset="0"/>
+                <a:cs typeface="Tahoma" panose="020B0604030504040204" pitchFamily="34" charset="0"/>
+              </a:rPr>
+              <a:t>dati</a:t>
+            </a:r>
+            <a:r>
+              <a:rPr lang="it-IT" sz="2400">
+                <a:solidFill>
+                  <a:schemeClr val="tx1"/>
+                </a:solidFill>
+                <a:latin typeface="Tahoma" panose="020B0604030504040204" pitchFamily="34" charset="0"/>
+                <a:ea typeface="Tahoma" panose="020B0604030504040204" pitchFamily="34" charset="0"/>
+                <a:cs typeface="Tahoma" panose="020B0604030504040204" pitchFamily="34" charset="0"/>
+              </a:rPr>
+              <a:t> o ad </a:t>
+            </a:r>
+            <a:r>
+              <a:rPr lang="it-IT" sz="2400" b="1">
+                <a:solidFill>
+                  <a:schemeClr val="tx1"/>
+                </a:solidFill>
+                <a:latin typeface="Tahoma" panose="020B0604030504040204" pitchFamily="34" charset="0"/>
+                <a:ea typeface="Tahoma" panose="020B0604030504040204" pitchFamily="34" charset="0"/>
+                <a:cs typeface="Tahoma" panose="020B0604030504040204" pitchFamily="34" charset="0"/>
+              </a:rPr>
+              <a:t>attacchi</a:t>
+            </a:r>
+            <a:r>
+              <a:rPr lang="it-IT" sz="2400">
+                <a:solidFill>
+                  <a:schemeClr val="tx1"/>
+                </a:solidFill>
+                <a:latin typeface="Tahoma" panose="020B0604030504040204" pitchFamily="34" charset="0"/>
+                <a:ea typeface="Tahoma" panose="020B0604030504040204" pitchFamily="34" charset="0"/>
+                <a:cs typeface="Tahoma" panose="020B0604030504040204" pitchFamily="34" charset="0"/>
+              </a:rPr>
+              <a:t> </a:t>
+            </a:r>
+            <a:r>
+              <a:rPr lang="it-IT" sz="2400" b="1">
+                <a:solidFill>
+                  <a:schemeClr val="tx1"/>
+                </a:solidFill>
+                <a:latin typeface="Tahoma" panose="020B0604030504040204" pitchFamily="34" charset="0"/>
+                <a:ea typeface="Tahoma" panose="020B0604030504040204" pitchFamily="34" charset="0"/>
+                <a:cs typeface="Tahoma" panose="020B0604030504040204" pitchFamily="34" charset="0"/>
+              </a:rPr>
+              <a:t>informatici</a:t>
+            </a:r>
+            <a:r>
+              <a:rPr lang="it-IT" sz="2400">
+                <a:solidFill>
+                  <a:schemeClr val="tx1"/>
+                </a:solidFill>
+                <a:latin typeface="Tahoma" panose="020B0604030504040204" pitchFamily="34" charset="0"/>
+                <a:ea typeface="Tahoma" panose="020B0604030504040204" pitchFamily="34" charset="0"/>
+                <a:cs typeface="Tahoma" panose="020B0604030504040204" pitchFamily="34" charset="0"/>
+              </a:rPr>
+              <a:t>.</a:t>
+            </a:r>
+          </a:p>
+          <a:p>
+            <a:pPr marL="342900" indent="-342900" algn="just">
+              <a:lnSpc>
+                <a:spcPct val="115000"/>
+              </a:lnSpc>
+              <a:spcBef>
+                <a:spcPts val="2400"/>
+              </a:spcBef>
+              <a:buFont typeface="Wingdings" panose="05000000000000000000" pitchFamily="2" charset="2"/>
+              <a:buChar char="ü"/>
+              <a:tabLst>
+                <a:tab pos="457200" algn="l"/>
+              </a:tabLst>
+            </a:pPr>
+            <a:r>
+              <a:rPr lang="it-IT" sz="2400">
+                <a:solidFill>
+                  <a:schemeClr val="tx1"/>
+                </a:solidFill>
+                <a:latin typeface="Tahoma" panose="020B0604030504040204" pitchFamily="34" charset="0"/>
+                <a:ea typeface="Tahoma" panose="020B0604030504040204" pitchFamily="34" charset="0"/>
+                <a:cs typeface="Tahoma" panose="020B0604030504040204" pitchFamily="34" charset="0"/>
+              </a:rPr>
+              <a:t>Scoperta la </a:t>
+            </a:r>
+            <a:r>
+              <a:rPr lang="it-IT" sz="2400" b="1">
+                <a:solidFill>
+                  <a:schemeClr val="tx1"/>
+                </a:solidFill>
+                <a:latin typeface="Tahoma" panose="020B0604030504040204" pitchFamily="34" charset="0"/>
+                <a:ea typeface="Tahoma" panose="020B0604030504040204" pitchFamily="34" charset="0"/>
+                <a:cs typeface="Tahoma" panose="020B0604030504040204" pitchFamily="34" charset="0"/>
+              </a:rPr>
+              <a:t>problematica</a:t>
+            </a:r>
+            <a:r>
+              <a:rPr lang="it-IT" sz="2400">
+                <a:solidFill>
+                  <a:schemeClr val="tx1"/>
+                </a:solidFill>
+                <a:latin typeface="Tahoma" panose="020B0604030504040204" pitchFamily="34" charset="0"/>
+                <a:ea typeface="Tahoma" panose="020B0604030504040204" pitchFamily="34" charset="0"/>
+                <a:cs typeface="Tahoma" panose="020B0604030504040204" pitchFamily="34" charset="0"/>
+              </a:rPr>
+              <a:t>, sarà necessaria poi un’attività di </a:t>
+            </a:r>
+            <a:r>
+              <a:rPr lang="it-IT" sz="2400" b="1">
+                <a:solidFill>
+                  <a:schemeClr val="tx1"/>
+                </a:solidFill>
+                <a:latin typeface="Tahoma" panose="020B0604030504040204" pitchFamily="34" charset="0"/>
+                <a:ea typeface="Tahoma" panose="020B0604030504040204" pitchFamily="34" charset="0"/>
+                <a:cs typeface="Tahoma" panose="020B0604030504040204" pitchFamily="34" charset="0"/>
+              </a:rPr>
+              <a:t>analisi</a:t>
+            </a:r>
+            <a:r>
+              <a:rPr lang="it-IT" sz="2400">
+                <a:solidFill>
+                  <a:schemeClr val="tx1"/>
+                </a:solidFill>
+                <a:latin typeface="Tahoma" panose="020B0604030504040204" pitchFamily="34" charset="0"/>
+                <a:ea typeface="Tahoma" panose="020B0604030504040204" pitchFamily="34" charset="0"/>
+                <a:cs typeface="Tahoma" panose="020B0604030504040204" pitchFamily="34" charset="0"/>
+              </a:rPr>
+              <a:t> </a:t>
+            </a:r>
+            <a:r>
+              <a:rPr lang="it-IT" sz="2400" b="1">
+                <a:solidFill>
+                  <a:schemeClr val="tx1"/>
+                </a:solidFill>
+                <a:latin typeface="Tahoma" panose="020B0604030504040204" pitchFamily="34" charset="0"/>
+                <a:ea typeface="Tahoma" panose="020B0604030504040204" pitchFamily="34" charset="0"/>
+                <a:cs typeface="Tahoma" panose="020B0604030504040204" pitchFamily="34" charset="0"/>
+              </a:rPr>
+              <a:t>profonda</a:t>
+            </a:r>
+            <a:r>
+              <a:rPr lang="it-IT" sz="2400">
+                <a:solidFill>
+                  <a:schemeClr val="tx1"/>
+                </a:solidFill>
+                <a:latin typeface="Tahoma" panose="020B0604030504040204" pitchFamily="34" charset="0"/>
+                <a:ea typeface="Tahoma" panose="020B0604030504040204" pitchFamily="34" charset="0"/>
+                <a:cs typeface="Tahoma" panose="020B0604030504040204" pitchFamily="34" charset="0"/>
+              </a:rPr>
+              <a:t> –per comprendere </a:t>
+            </a:r>
+            <a:r>
+              <a:rPr lang="it-IT" sz="2400" b="1">
+                <a:solidFill>
+                  <a:schemeClr val="tx1"/>
+                </a:solidFill>
+                <a:latin typeface="Tahoma" panose="020B0604030504040204" pitchFamily="34" charset="0"/>
+                <a:ea typeface="Tahoma" panose="020B0604030504040204" pitchFamily="34" charset="0"/>
+                <a:cs typeface="Tahoma" panose="020B0604030504040204" pitchFamily="34" charset="0"/>
+              </a:rPr>
+              <a:t>l’errore</a:t>
+            </a:r>
+            <a:r>
+              <a:rPr lang="it-IT" sz="2400">
+                <a:solidFill>
+                  <a:schemeClr val="tx1"/>
+                </a:solidFill>
+                <a:latin typeface="Tahoma" panose="020B0604030504040204" pitchFamily="34" charset="0"/>
+                <a:ea typeface="Tahoma" panose="020B0604030504040204" pitchFamily="34" charset="0"/>
+                <a:cs typeface="Tahoma" panose="020B0604030504040204" pitchFamily="34" charset="0"/>
+              </a:rPr>
+              <a:t>, quali sono i rischi e le risorse coinvolte – seguita dalla fase di test per </a:t>
+            </a:r>
+            <a:r>
+              <a:rPr lang="it-IT" sz="2400" b="1">
+                <a:solidFill>
+                  <a:schemeClr val="tx1"/>
+                </a:solidFill>
+                <a:latin typeface="Tahoma" panose="020B0604030504040204" pitchFamily="34" charset="0"/>
+                <a:ea typeface="Tahoma" panose="020B0604030504040204" pitchFamily="34" charset="0"/>
+                <a:cs typeface="Tahoma" panose="020B0604030504040204" pitchFamily="34" charset="0"/>
+              </a:rPr>
+              <a:t>validare</a:t>
+            </a:r>
+            <a:r>
+              <a:rPr lang="it-IT" sz="2400">
+                <a:solidFill>
+                  <a:schemeClr val="tx1"/>
+                </a:solidFill>
+                <a:latin typeface="Tahoma" panose="020B0604030504040204" pitchFamily="34" charset="0"/>
+                <a:ea typeface="Tahoma" panose="020B0604030504040204" pitchFamily="34" charset="0"/>
+                <a:cs typeface="Tahoma" panose="020B0604030504040204" pitchFamily="34" charset="0"/>
+              </a:rPr>
+              <a:t> i risultati ottenuti dall’analisi e da una fase di </a:t>
+            </a:r>
+            <a:r>
+              <a:rPr lang="it-IT" sz="2400" b="1">
+                <a:solidFill>
+                  <a:schemeClr val="tx1"/>
+                </a:solidFill>
+                <a:latin typeface="Tahoma" panose="020B0604030504040204" pitchFamily="34" charset="0"/>
+                <a:ea typeface="Tahoma" panose="020B0604030504040204" pitchFamily="34" charset="0"/>
+                <a:cs typeface="Tahoma" panose="020B0604030504040204" pitchFamily="34" charset="0"/>
+              </a:rPr>
+              <a:t>aggiornamento</a:t>
+            </a:r>
+            <a:r>
+              <a:rPr lang="it-IT" sz="2400">
+                <a:solidFill>
+                  <a:schemeClr val="tx1"/>
+                </a:solidFill>
+                <a:latin typeface="Tahoma" panose="020B0604030504040204" pitchFamily="34" charset="0"/>
+                <a:ea typeface="Tahoma" panose="020B0604030504040204" pitchFamily="34" charset="0"/>
+                <a:cs typeface="Tahoma" panose="020B0604030504040204" pitchFamily="34" charset="0"/>
+              </a:rPr>
+              <a:t> o </a:t>
+            </a:r>
+            <a:r>
+              <a:rPr lang="it-IT" sz="2400" b="1">
+                <a:solidFill>
+                  <a:schemeClr val="tx1"/>
+                </a:solidFill>
+                <a:latin typeface="Tahoma" panose="020B0604030504040204" pitchFamily="34" charset="0"/>
+                <a:ea typeface="Tahoma" panose="020B0604030504040204" pitchFamily="34" charset="0"/>
+                <a:cs typeface="Tahoma" panose="020B0604030504040204" pitchFamily="34" charset="0"/>
+              </a:rPr>
+              <a:t>riparazione</a:t>
+            </a:r>
+            <a:r>
+              <a:rPr lang="it-IT" sz="2400">
+                <a:solidFill>
+                  <a:schemeClr val="tx1"/>
+                </a:solidFill>
+                <a:latin typeface="Tahoma" panose="020B0604030504040204" pitchFamily="34" charset="0"/>
+                <a:ea typeface="Tahoma" panose="020B0604030504040204" pitchFamily="34" charset="0"/>
+                <a:cs typeface="Tahoma" panose="020B0604030504040204" pitchFamily="34" charset="0"/>
+              </a:rPr>
+              <a:t> del codice, per poi effettuare nuovamente analisi e test per verificare il </a:t>
+            </a:r>
+            <a:r>
+              <a:rPr lang="it-IT" sz="2400" b="1">
+                <a:solidFill>
+                  <a:schemeClr val="tx1"/>
+                </a:solidFill>
+                <a:latin typeface="Tahoma" panose="020B0604030504040204" pitchFamily="34" charset="0"/>
+                <a:ea typeface="Tahoma" panose="020B0604030504040204" pitchFamily="34" charset="0"/>
+                <a:cs typeface="Tahoma" panose="020B0604030504040204" pitchFamily="34" charset="0"/>
+              </a:rPr>
+              <a:t>miglioramento</a:t>
+            </a:r>
+            <a:r>
+              <a:rPr lang="it-IT" sz="2400">
+                <a:solidFill>
+                  <a:schemeClr val="tx1"/>
+                </a:solidFill>
+                <a:latin typeface="Tahoma" panose="020B0604030504040204" pitchFamily="34" charset="0"/>
+                <a:ea typeface="Tahoma" panose="020B0604030504040204" pitchFamily="34" charset="0"/>
+                <a:cs typeface="Tahoma" panose="020B0604030504040204" pitchFamily="34" charset="0"/>
+              </a:rPr>
+              <a:t> </a:t>
+            </a:r>
+            <a:r>
+              <a:rPr lang="it-IT" sz="2400" b="1">
+                <a:solidFill>
+                  <a:schemeClr val="tx1"/>
+                </a:solidFill>
+                <a:latin typeface="Tahoma" panose="020B0604030504040204" pitchFamily="34" charset="0"/>
+                <a:ea typeface="Tahoma" panose="020B0604030504040204" pitchFamily="34" charset="0"/>
+                <a:cs typeface="Tahoma" panose="020B0604030504040204" pitchFamily="34" charset="0"/>
+              </a:rPr>
+              <a:t>apportato</a:t>
+            </a:r>
+            <a:r>
+              <a:rPr lang="it-IT" sz="2400">
+                <a:solidFill>
+                  <a:schemeClr val="tx1"/>
+                </a:solidFill>
+                <a:latin typeface="Tahoma" panose="020B0604030504040204" pitchFamily="34" charset="0"/>
+                <a:ea typeface="Tahoma" panose="020B0604030504040204" pitchFamily="34" charset="0"/>
+                <a:cs typeface="Tahoma" panose="020B0604030504040204" pitchFamily="34" charset="0"/>
+              </a:rPr>
+              <a:t>.</a:t>
+            </a:r>
+          </a:p>
+        </p:txBody>
+      </p:sp>
+      <p:sp>
+        <p:nvSpPr>
           <p:cNvPr id="7" name="Segnaposto numero diapositiva 6">
             <a:extLst>
               <a:ext uri="{FF2B5EF4-FFF2-40B4-BE49-F238E27FC236}">
@@ -7251,6 +8504,930 @@
       </p:sp>
       <p:sp>
         <p:nvSpPr>
+          <p:cNvPr id="6" name="Titolo 4">
+            <a:extLst>
+              <a:ext uri="{FF2B5EF4-FFF2-40B4-BE49-F238E27FC236}">
+                <a16:creationId xmlns:a16="http://schemas.microsoft.com/office/drawing/2014/main" id="{CF9A4806-60B4-80DC-1F76-D2EB3E6C376B}"/>
+              </a:ext>
+            </a:extLst>
+          </p:cNvPr>
+          <p:cNvSpPr>
+            <a:spLocks noGrp="1"/>
+          </p:cNvSpPr>
+          <p:nvPr>
+            <p:ph type="title"/>
+          </p:nvPr>
+        </p:nvSpPr>
+        <p:spPr>
+          <a:xfrm>
+            <a:off x="461169" y="422999"/>
+            <a:ext cx="11269662" cy="384721"/>
+          </a:xfrm>
+        </p:spPr>
+        <p:txBody>
+          <a:bodyPr/>
+          <a:lstStyle/>
+          <a:p>
+            <a:r>
+              <a:rPr lang="it-IT">
+                <a:solidFill>
+                  <a:schemeClr val="tx1"/>
+                </a:solidFill>
+                <a:latin typeface="Tahoma" panose="020B0604030504040204" pitchFamily="34" charset="0"/>
+                <a:ea typeface="Tahoma" panose="020B0604030504040204" pitchFamily="34" charset="0"/>
+                <a:cs typeface="Tahoma" panose="020B0604030504040204" pitchFamily="34" charset="0"/>
+              </a:rPr>
+              <a:t>Secure Coding</a:t>
+            </a:r>
+            <a:endParaRPr lang="it-IT" dirty="0"/>
+          </a:p>
+        </p:txBody>
+      </p:sp>
+      <p:pic>
+        <p:nvPicPr>
+          <p:cNvPr id="4" name="Immagine 3" descr="Immagine che contiene testo&#10;&#10;Descrizione generata automaticamente">
+            <a:extLst>
+              <a:ext uri="{FF2B5EF4-FFF2-40B4-BE49-F238E27FC236}">
+                <a16:creationId xmlns:a16="http://schemas.microsoft.com/office/drawing/2014/main" id="{B7C80AE3-EA4D-09CB-0257-788610A61583}"/>
+              </a:ext>
+            </a:extLst>
+          </p:cNvPr>
+          <p:cNvPicPr>
+            <a:picLocks noChangeAspect="1"/>
+          </p:cNvPicPr>
+          <p:nvPr/>
+        </p:nvPicPr>
+        <p:blipFill>
+          <a:blip r:embed="rId2"/>
+          <a:stretch>
+            <a:fillRect/>
+          </a:stretch>
+        </p:blipFill>
+        <p:spPr>
+          <a:xfrm>
+            <a:off x="7202659" y="5112446"/>
+            <a:ext cx="3390314" cy="1638886"/>
+          </a:xfrm>
+          <a:prstGeom prst="rect">
+            <a:avLst/>
+          </a:prstGeom>
+        </p:spPr>
+      </p:pic>
+    </p:spTree>
+    <p:extLst>
+      <p:ext uri="{BB962C8B-B14F-4D97-AF65-F5344CB8AC3E}">
+        <p14:creationId xmlns:p14="http://schemas.microsoft.com/office/powerpoint/2010/main" val="958806029"/>
+      </p:ext>
+    </p:extLst>
+  </p:cSld>
+  <p:clrMapOvr>
+    <a:masterClrMapping/>
+  </p:clrMapOvr>
+</p:sld>
+</file>
+
+<file path=ppt/slides/slide5.xml><?xml version="1.0" encoding="utf-8"?>
+<p:sld xmlns:a="http://schemas.openxmlformats.org/drawingml/2006/main" xmlns:r="http://schemas.openxmlformats.org/officeDocument/2006/relationships" xmlns:p="http://schemas.openxmlformats.org/presentationml/2006/main">
+  <p:cSld>
+    <p:spTree>
+      <p:nvGrpSpPr>
+        <p:cNvPr id="1" name=""/>
+        <p:cNvGrpSpPr/>
+        <p:nvPr/>
+      </p:nvGrpSpPr>
+      <p:grpSpPr>
+        <a:xfrm>
+          <a:off x="0" y="0"/>
+          <a:ext cx="0" cy="0"/>
+          <a:chOff x="0" y="0"/>
+          <a:chExt cx="0" cy="0"/>
+        </a:xfrm>
+      </p:grpSpPr>
+      <p:sp>
+        <p:nvSpPr>
+          <p:cNvPr id="2" name="Segnaposto testo 1">
+            <a:extLst>
+              <a:ext uri="{FF2B5EF4-FFF2-40B4-BE49-F238E27FC236}">
+                <a16:creationId xmlns:a16="http://schemas.microsoft.com/office/drawing/2014/main" id="{E5AE986C-196F-4141-A898-FA4C4198CDCC}"/>
+              </a:ext>
+            </a:extLst>
+          </p:cNvPr>
+          <p:cNvSpPr>
+            <a:spLocks noGrp="1"/>
+          </p:cNvSpPr>
+          <p:nvPr>
+            <p:ph type="body" idx="1"/>
+          </p:nvPr>
+        </p:nvSpPr>
+        <p:spPr>
+          <a:xfrm>
+            <a:off x="326297" y="1213806"/>
+            <a:ext cx="11546835" cy="4392612"/>
+          </a:xfrm>
+        </p:spPr>
+        <p:txBody>
+          <a:bodyPr/>
+          <a:lstStyle/>
+          <a:p>
+            <a:pPr marL="342900" indent="-342900" algn="just">
+              <a:lnSpc>
+                <a:spcPct val="115000"/>
+              </a:lnSpc>
+              <a:spcBef>
+                <a:spcPts val="2400"/>
+              </a:spcBef>
+              <a:buFont typeface="Wingdings" panose="05000000000000000000" pitchFamily="2" charset="2"/>
+              <a:buChar char="ü"/>
+              <a:tabLst>
+                <a:tab pos="457200" algn="l"/>
+              </a:tabLst>
+            </a:pPr>
+            <a:r>
+              <a:rPr lang="it-IT" sz="2400">
+                <a:solidFill>
+                  <a:schemeClr val="tx1"/>
+                </a:solidFill>
+                <a:latin typeface="Tahoma" panose="020B0604030504040204" pitchFamily="34" charset="0"/>
+                <a:ea typeface="Tahoma" panose="020B0604030504040204" pitchFamily="34" charset="0"/>
+                <a:cs typeface="Tahoma" panose="020B0604030504040204" pitchFamily="34" charset="0"/>
+              </a:rPr>
+              <a:t>La </a:t>
+            </a:r>
+            <a:r>
+              <a:rPr lang="it-IT" sz="2400" b="1">
+                <a:solidFill>
+                  <a:schemeClr val="tx1"/>
+                </a:solidFill>
+                <a:latin typeface="Tahoma" panose="020B0604030504040204" pitchFamily="34" charset="0"/>
+                <a:ea typeface="Tahoma" panose="020B0604030504040204" pitchFamily="34" charset="0"/>
+                <a:cs typeface="Tahoma" panose="020B0604030504040204" pitchFamily="34" charset="0"/>
+              </a:rPr>
+              <a:t>mancanza</a:t>
+            </a:r>
+            <a:r>
+              <a:rPr lang="it-IT" sz="2400">
+                <a:solidFill>
+                  <a:schemeClr val="tx1"/>
+                </a:solidFill>
+                <a:latin typeface="Tahoma" panose="020B0604030504040204" pitchFamily="34" charset="0"/>
+                <a:ea typeface="Tahoma" panose="020B0604030504040204" pitchFamily="34" charset="0"/>
+                <a:cs typeface="Tahoma" panose="020B0604030504040204" pitchFamily="34" charset="0"/>
+              </a:rPr>
+              <a:t> di un approccio </a:t>
+            </a:r>
+            <a:r>
+              <a:rPr lang="it-IT" sz="2400" b="1">
+                <a:solidFill>
+                  <a:schemeClr val="tx1"/>
+                </a:solidFill>
+                <a:latin typeface="Tahoma" panose="020B0604030504040204" pitchFamily="34" charset="0"/>
+                <a:ea typeface="Tahoma" panose="020B0604030504040204" pitchFamily="34" charset="0"/>
+                <a:cs typeface="Tahoma" panose="020B0604030504040204" pitchFamily="34" charset="0"/>
+              </a:rPr>
+              <a:t>proattivo</a:t>
+            </a:r>
+            <a:r>
+              <a:rPr lang="it-IT" sz="2400">
+                <a:solidFill>
+                  <a:schemeClr val="tx1"/>
+                </a:solidFill>
+                <a:latin typeface="Tahoma" panose="020B0604030504040204" pitchFamily="34" charset="0"/>
+                <a:ea typeface="Tahoma" panose="020B0604030504040204" pitchFamily="34" charset="0"/>
+                <a:cs typeface="Tahoma" panose="020B0604030504040204" pitchFamily="34" charset="0"/>
+              </a:rPr>
+              <a:t> è la prima causa di </a:t>
+            </a:r>
+            <a:r>
+              <a:rPr lang="it-IT" sz="2400" b="1">
+                <a:solidFill>
+                  <a:schemeClr val="tx1"/>
+                </a:solidFill>
+                <a:latin typeface="Tahoma" panose="020B0604030504040204" pitchFamily="34" charset="0"/>
+                <a:ea typeface="Tahoma" panose="020B0604030504040204" pitchFamily="34" charset="0"/>
+                <a:cs typeface="Tahoma" panose="020B0604030504040204" pitchFamily="34" charset="0"/>
+              </a:rPr>
+              <a:t>vulnerabilità</a:t>
+            </a:r>
+            <a:r>
+              <a:rPr lang="it-IT" sz="2400">
+                <a:solidFill>
+                  <a:schemeClr val="tx1"/>
+                </a:solidFill>
+                <a:latin typeface="Tahoma" panose="020B0604030504040204" pitchFamily="34" charset="0"/>
+                <a:ea typeface="Tahoma" panose="020B0604030504040204" pitchFamily="34" charset="0"/>
+                <a:cs typeface="Tahoma" panose="020B0604030504040204" pitchFamily="34" charset="0"/>
+              </a:rPr>
+              <a:t> in un software, la maggior parte derivanti da un numero relativamente piccolo di errori comuni di programmazione. Queste vulnerabilità sono note e largamente documentate su Internet: ciò le rende facilmente sfruttabili da un malintenzionato.</a:t>
+            </a:r>
+          </a:p>
+          <a:p>
+            <a:pPr marL="342900" indent="-342900" algn="just">
+              <a:lnSpc>
+                <a:spcPct val="115000"/>
+              </a:lnSpc>
+              <a:spcBef>
+                <a:spcPts val="2400"/>
+              </a:spcBef>
+              <a:buFont typeface="Wingdings" panose="05000000000000000000" pitchFamily="2" charset="2"/>
+              <a:buChar char="ü"/>
+              <a:tabLst>
+                <a:tab pos="457200" algn="l"/>
+              </a:tabLst>
+            </a:pPr>
+            <a:r>
+              <a:rPr lang="it-IT" sz="2400">
+                <a:solidFill>
+                  <a:schemeClr val="tx1"/>
+                </a:solidFill>
+                <a:latin typeface="Tahoma" panose="020B0604030504040204" pitchFamily="34" charset="0"/>
+                <a:ea typeface="Tahoma" panose="020B0604030504040204" pitchFamily="34" charset="0"/>
+                <a:cs typeface="Tahoma" panose="020B0604030504040204" pitchFamily="34" charset="0"/>
+              </a:rPr>
+              <a:t>Prevedere la </a:t>
+            </a:r>
+            <a:r>
+              <a:rPr lang="it-IT" sz="2400" b="1">
+                <a:solidFill>
+                  <a:schemeClr val="tx1"/>
+                </a:solidFill>
+                <a:latin typeface="Tahoma" panose="020B0604030504040204" pitchFamily="34" charset="0"/>
+                <a:ea typeface="Tahoma" panose="020B0604030504040204" pitchFamily="34" charset="0"/>
+                <a:cs typeface="Tahoma" panose="020B0604030504040204" pitchFamily="34" charset="0"/>
+              </a:rPr>
+              <a:t>sicurezza</a:t>
+            </a:r>
+            <a:r>
+              <a:rPr lang="it-IT" sz="2400">
+                <a:solidFill>
+                  <a:schemeClr val="tx1"/>
+                </a:solidFill>
+                <a:latin typeface="Tahoma" panose="020B0604030504040204" pitchFamily="34" charset="0"/>
+                <a:ea typeface="Tahoma" panose="020B0604030504040204" pitchFamily="34" charset="0"/>
+                <a:cs typeface="Tahoma" panose="020B0604030504040204" pitchFamily="34" charset="0"/>
+              </a:rPr>
+              <a:t> nel codice permette quindi di evitare l’introduzione accidentale di </a:t>
+            </a:r>
+            <a:r>
+              <a:rPr lang="it-IT" sz="2400" b="1">
+                <a:solidFill>
+                  <a:schemeClr val="tx1"/>
+                </a:solidFill>
+                <a:latin typeface="Tahoma" panose="020B0604030504040204" pitchFamily="34" charset="0"/>
+                <a:ea typeface="Tahoma" panose="020B0604030504040204" pitchFamily="34" charset="0"/>
+                <a:cs typeface="Tahoma" panose="020B0604030504040204" pitchFamily="34" charset="0"/>
+              </a:rPr>
+              <a:t>vulnerabilità</a:t>
+            </a:r>
+            <a:r>
+              <a:rPr lang="it-IT" sz="2400">
+                <a:solidFill>
+                  <a:schemeClr val="tx1"/>
+                </a:solidFill>
+                <a:latin typeface="Tahoma" panose="020B0604030504040204" pitchFamily="34" charset="0"/>
+                <a:ea typeface="Tahoma" panose="020B0604030504040204" pitchFamily="34" charset="0"/>
+                <a:cs typeface="Tahoma" panose="020B0604030504040204" pitchFamily="34" charset="0"/>
+              </a:rPr>
+              <a:t>, bug, e malfunzionamenti </a:t>
+            </a:r>
+            <a:r>
+              <a:rPr lang="it-IT" sz="2400" b="1">
+                <a:solidFill>
+                  <a:schemeClr val="tx1"/>
+                </a:solidFill>
+                <a:latin typeface="Tahoma" panose="020B0604030504040204" pitchFamily="34" charset="0"/>
+                <a:ea typeface="Tahoma" panose="020B0604030504040204" pitchFamily="34" charset="0"/>
+                <a:cs typeface="Tahoma" panose="020B0604030504040204" pitchFamily="34" charset="0"/>
+              </a:rPr>
+              <a:t>funzionali</a:t>
+            </a:r>
+            <a:r>
+              <a:rPr lang="it-IT" sz="2400">
+                <a:solidFill>
+                  <a:schemeClr val="tx1"/>
+                </a:solidFill>
+                <a:latin typeface="Tahoma" panose="020B0604030504040204" pitchFamily="34" charset="0"/>
+                <a:ea typeface="Tahoma" panose="020B0604030504040204" pitchFamily="34" charset="0"/>
+                <a:cs typeface="Tahoma" panose="020B0604030504040204" pitchFamily="34" charset="0"/>
+              </a:rPr>
+              <a:t> e/o logici.</a:t>
+            </a:r>
+          </a:p>
+          <a:p>
+            <a:pPr marL="342900" indent="-342900" algn="just">
+              <a:lnSpc>
+                <a:spcPct val="115000"/>
+              </a:lnSpc>
+              <a:spcBef>
+                <a:spcPts val="2400"/>
+              </a:spcBef>
+              <a:buFont typeface="Wingdings" panose="05000000000000000000" pitchFamily="2" charset="2"/>
+              <a:buChar char="ü"/>
+              <a:tabLst>
+                <a:tab pos="457200" algn="l"/>
+              </a:tabLst>
+            </a:pPr>
+            <a:r>
+              <a:rPr lang="it-IT" sz="2400">
+                <a:solidFill>
+                  <a:schemeClr val="tx1"/>
+                </a:solidFill>
+                <a:latin typeface="Tahoma" panose="020B0604030504040204" pitchFamily="34" charset="0"/>
+                <a:ea typeface="Tahoma" panose="020B0604030504040204" pitchFamily="34" charset="0"/>
+                <a:cs typeface="Tahoma" panose="020B0604030504040204" pitchFamily="34" charset="0"/>
+              </a:rPr>
+              <a:t>In base alla natura del </a:t>
+            </a:r>
+            <a:r>
+              <a:rPr lang="it-IT" sz="2400" b="1">
+                <a:solidFill>
+                  <a:schemeClr val="tx1"/>
+                </a:solidFill>
+                <a:latin typeface="Tahoma" panose="020B0604030504040204" pitchFamily="34" charset="0"/>
+                <a:ea typeface="Tahoma" panose="020B0604030504040204" pitchFamily="34" charset="0"/>
+                <a:cs typeface="Tahoma" panose="020B0604030504040204" pitchFamily="34" charset="0"/>
+              </a:rPr>
+              <a:t>software</a:t>
+            </a:r>
+            <a:r>
+              <a:rPr lang="it-IT" sz="2400">
+                <a:solidFill>
+                  <a:schemeClr val="tx1"/>
+                </a:solidFill>
+                <a:latin typeface="Tahoma" panose="020B0604030504040204" pitchFamily="34" charset="0"/>
+                <a:ea typeface="Tahoma" panose="020B0604030504040204" pitchFamily="34" charset="0"/>
+                <a:cs typeface="Tahoma" panose="020B0604030504040204" pitchFamily="34" charset="0"/>
+              </a:rPr>
+              <a:t>, dell’infrastruttura su cui opera e della vulnerabilità, gli impatti possono </a:t>
+            </a:r>
+            <a:r>
+              <a:rPr lang="it-IT" sz="2400" b="1">
+                <a:solidFill>
+                  <a:schemeClr val="tx1"/>
+                </a:solidFill>
+                <a:latin typeface="Tahoma" panose="020B0604030504040204" pitchFamily="34" charset="0"/>
+                <a:ea typeface="Tahoma" panose="020B0604030504040204" pitchFamily="34" charset="0"/>
+                <a:cs typeface="Tahoma" panose="020B0604030504040204" pitchFamily="34" charset="0"/>
+              </a:rPr>
+              <a:t>compromettere</a:t>
+            </a:r>
+            <a:r>
+              <a:rPr lang="it-IT" sz="2400">
+                <a:solidFill>
+                  <a:schemeClr val="tx1"/>
+                </a:solidFill>
+                <a:latin typeface="Tahoma" panose="020B0604030504040204" pitchFamily="34" charset="0"/>
+                <a:ea typeface="Tahoma" panose="020B0604030504040204" pitchFamily="34" charset="0"/>
+                <a:cs typeface="Tahoma" panose="020B0604030504040204" pitchFamily="34" charset="0"/>
+              </a:rPr>
+              <a:t> il software, i sistemi operativi, i database, l’ambiente condiviso o anche il sistema dell’utente/cliente, e tutte le informazioni </a:t>
+            </a:r>
+            <a:r>
+              <a:rPr lang="it-IT" sz="2400" b="1">
+                <a:solidFill>
+                  <a:schemeClr val="tx1"/>
+                </a:solidFill>
+                <a:latin typeface="Tahoma" panose="020B0604030504040204" pitchFamily="34" charset="0"/>
+                <a:ea typeface="Tahoma" panose="020B0604030504040204" pitchFamily="34" charset="0"/>
+                <a:cs typeface="Tahoma" panose="020B0604030504040204" pitchFamily="34" charset="0"/>
+              </a:rPr>
+              <a:t>associate</a:t>
+            </a:r>
+            <a:r>
+              <a:rPr lang="it-IT" sz="2400">
+                <a:solidFill>
+                  <a:schemeClr val="tx1"/>
+                </a:solidFill>
+                <a:latin typeface="Tahoma" panose="020B0604030504040204" pitchFamily="34" charset="0"/>
+                <a:ea typeface="Tahoma" panose="020B0604030504040204" pitchFamily="34" charset="0"/>
+                <a:cs typeface="Tahoma" panose="020B0604030504040204" pitchFamily="34" charset="0"/>
+              </a:rPr>
+              <a:t>.</a:t>
+            </a:r>
+          </a:p>
+          <a:p>
+            <a:pPr marL="342900" indent="-342900" algn="just">
+              <a:lnSpc>
+                <a:spcPct val="115000"/>
+              </a:lnSpc>
+              <a:spcBef>
+                <a:spcPts val="2400"/>
+              </a:spcBef>
+              <a:buFont typeface="Wingdings" panose="05000000000000000000" pitchFamily="2" charset="2"/>
+              <a:buChar char="ü"/>
+              <a:tabLst>
+                <a:tab pos="457200" algn="l"/>
+              </a:tabLst>
+            </a:pPr>
+            <a:endParaRPr lang="it-IT" sz="2400">
+              <a:solidFill>
+                <a:schemeClr val="tx1"/>
+              </a:solidFill>
+              <a:latin typeface="Tahoma" panose="020B0604030504040204" pitchFamily="34" charset="0"/>
+              <a:ea typeface="Tahoma" panose="020B0604030504040204" pitchFamily="34" charset="0"/>
+              <a:cs typeface="Tahoma" panose="020B0604030504040204" pitchFamily="34" charset="0"/>
+            </a:endParaRPr>
+          </a:p>
+        </p:txBody>
+      </p:sp>
+      <p:sp>
+        <p:nvSpPr>
+          <p:cNvPr id="7" name="Segnaposto numero diapositiva 6">
+            <a:extLst>
+              <a:ext uri="{FF2B5EF4-FFF2-40B4-BE49-F238E27FC236}">
+                <a16:creationId xmlns:a16="http://schemas.microsoft.com/office/drawing/2014/main" id="{AB740BE9-E218-4144-BFDE-AE473D230A3D}"/>
+              </a:ext>
+            </a:extLst>
+          </p:cNvPr>
+          <p:cNvSpPr>
+            <a:spLocks noGrp="1"/>
+          </p:cNvSpPr>
+          <p:nvPr>
+            <p:ph type="sldNum" sz="quarter" idx="12"/>
+          </p:nvPr>
+        </p:nvSpPr>
+        <p:spPr/>
+        <p:txBody>
+          <a:bodyPr/>
+          <a:lstStyle/>
+          <a:p>
+            <a:pPr>
+              <a:defRPr/>
+            </a:pPr>
+            <a:fld id="{48B4153A-D4C5-4CEF-8992-0D8815C829E3}" type="slidenum">
+              <a:rPr lang="en-US" smtClean="0"/>
+              <a:pPr>
+                <a:defRPr/>
+              </a:pPr>
+              <a:t>5</a:t>
+            </a:fld>
+            <a:endParaRPr lang="en-US" dirty="0"/>
+          </a:p>
+        </p:txBody>
+      </p:sp>
+      <p:sp>
+        <p:nvSpPr>
+          <p:cNvPr id="6" name="Titolo 4">
+            <a:extLst>
+              <a:ext uri="{FF2B5EF4-FFF2-40B4-BE49-F238E27FC236}">
+                <a16:creationId xmlns:a16="http://schemas.microsoft.com/office/drawing/2014/main" id="{CF9A4806-60B4-80DC-1F76-D2EB3E6C376B}"/>
+              </a:ext>
+            </a:extLst>
+          </p:cNvPr>
+          <p:cNvSpPr>
+            <a:spLocks noGrp="1"/>
+          </p:cNvSpPr>
+          <p:nvPr>
+            <p:ph type="title"/>
+          </p:nvPr>
+        </p:nvSpPr>
+        <p:spPr>
+          <a:xfrm>
+            <a:off x="461169" y="422999"/>
+            <a:ext cx="11269662" cy="384721"/>
+          </a:xfrm>
+        </p:spPr>
+        <p:txBody>
+          <a:bodyPr/>
+          <a:lstStyle/>
+          <a:p>
+            <a:r>
+              <a:rPr lang="it-IT">
+                <a:solidFill>
+                  <a:schemeClr val="tx1"/>
+                </a:solidFill>
+                <a:latin typeface="Tahoma" panose="020B0604030504040204" pitchFamily="34" charset="0"/>
+                <a:ea typeface="Tahoma" panose="020B0604030504040204" pitchFamily="34" charset="0"/>
+                <a:cs typeface="Tahoma" panose="020B0604030504040204" pitchFamily="34" charset="0"/>
+              </a:rPr>
+              <a:t>Secure Coding</a:t>
+            </a:r>
+            <a:endParaRPr lang="it-IT" dirty="0"/>
+          </a:p>
+        </p:txBody>
+      </p:sp>
+    </p:spTree>
+    <p:extLst>
+      <p:ext uri="{BB962C8B-B14F-4D97-AF65-F5344CB8AC3E}">
+        <p14:creationId xmlns:p14="http://schemas.microsoft.com/office/powerpoint/2010/main" val="2267486566"/>
+      </p:ext>
+    </p:extLst>
+  </p:cSld>
+  <p:clrMapOvr>
+    <a:masterClrMapping/>
+  </p:clrMapOvr>
+</p:sld>
+</file>
+
+<file path=ppt/slides/slide6.xml><?xml version="1.0" encoding="utf-8"?>
+<p:sld xmlns:a="http://schemas.openxmlformats.org/drawingml/2006/main" xmlns:r="http://schemas.openxmlformats.org/officeDocument/2006/relationships" xmlns:p="http://schemas.openxmlformats.org/presentationml/2006/main">
+  <p:cSld>
+    <p:spTree>
+      <p:nvGrpSpPr>
+        <p:cNvPr id="1" name=""/>
+        <p:cNvGrpSpPr/>
+        <p:nvPr/>
+      </p:nvGrpSpPr>
+      <p:grpSpPr>
+        <a:xfrm>
+          <a:off x="0" y="0"/>
+          <a:ext cx="0" cy="0"/>
+          <a:chOff x="0" y="0"/>
+          <a:chExt cx="0" cy="0"/>
+        </a:xfrm>
+      </p:grpSpPr>
+      <p:sp>
+        <p:nvSpPr>
+          <p:cNvPr id="2" name="Segnaposto testo 1">
+            <a:extLst>
+              <a:ext uri="{FF2B5EF4-FFF2-40B4-BE49-F238E27FC236}">
+                <a16:creationId xmlns:a16="http://schemas.microsoft.com/office/drawing/2014/main" id="{E5AE986C-196F-4141-A898-FA4C4198CDCC}"/>
+              </a:ext>
+            </a:extLst>
+          </p:cNvPr>
+          <p:cNvSpPr>
+            <a:spLocks noGrp="1"/>
+          </p:cNvSpPr>
+          <p:nvPr>
+            <p:ph type="body" idx="1"/>
+          </p:nvPr>
+        </p:nvSpPr>
+        <p:spPr>
+          <a:xfrm>
+            <a:off x="326297" y="1213806"/>
+            <a:ext cx="11546835" cy="4392612"/>
+          </a:xfrm>
+        </p:spPr>
+        <p:txBody>
+          <a:bodyPr/>
+          <a:lstStyle/>
+          <a:p>
+            <a:pPr marL="342900" indent="-342900" algn="just">
+              <a:lnSpc>
+                <a:spcPct val="115000"/>
+              </a:lnSpc>
+              <a:spcBef>
+                <a:spcPts val="2400"/>
+              </a:spcBef>
+              <a:buFont typeface="Wingdings" panose="05000000000000000000" pitchFamily="2" charset="2"/>
+              <a:buChar char="ü"/>
+              <a:tabLst>
+                <a:tab pos="457200" algn="l"/>
+              </a:tabLst>
+            </a:pPr>
+            <a:r>
+              <a:rPr lang="it-IT" sz="2400">
+                <a:solidFill>
+                  <a:schemeClr val="tx1"/>
+                </a:solidFill>
+                <a:latin typeface="Tahoma" panose="020B0604030504040204" pitchFamily="34" charset="0"/>
+                <a:ea typeface="Tahoma" panose="020B0604030504040204" pitchFamily="34" charset="0"/>
+                <a:cs typeface="Tahoma" panose="020B0604030504040204" pitchFamily="34" charset="0"/>
+              </a:rPr>
+              <a:t>Individuiamo alcune tra le </a:t>
+            </a:r>
+            <a:r>
+              <a:rPr lang="it-IT" sz="2400" b="1">
+                <a:solidFill>
+                  <a:schemeClr val="tx1"/>
+                </a:solidFill>
+                <a:latin typeface="Tahoma" panose="020B0604030504040204" pitchFamily="34" charset="0"/>
+                <a:ea typeface="Tahoma" panose="020B0604030504040204" pitchFamily="34" charset="0"/>
+                <a:cs typeface="Tahoma" panose="020B0604030504040204" pitchFamily="34" charset="0"/>
+              </a:rPr>
+              <a:t>vulnerabilità</a:t>
+            </a:r>
+            <a:r>
+              <a:rPr lang="it-IT" sz="2400">
+                <a:solidFill>
+                  <a:schemeClr val="tx1"/>
+                </a:solidFill>
+                <a:latin typeface="Tahoma" panose="020B0604030504040204" pitchFamily="34" charset="0"/>
+                <a:ea typeface="Tahoma" panose="020B0604030504040204" pitchFamily="34" charset="0"/>
+                <a:cs typeface="Tahoma" panose="020B0604030504040204" pitchFamily="34" charset="0"/>
+              </a:rPr>
+              <a:t> più conosciute. Gli esempi riportati non sono i problemi più </a:t>
+            </a:r>
+            <a:r>
+              <a:rPr lang="it-IT" sz="2400" b="1">
+                <a:solidFill>
+                  <a:schemeClr val="tx1"/>
+                </a:solidFill>
+                <a:latin typeface="Tahoma" panose="020B0604030504040204" pitchFamily="34" charset="0"/>
+                <a:ea typeface="Tahoma" panose="020B0604030504040204" pitchFamily="34" charset="0"/>
+                <a:cs typeface="Tahoma" panose="020B0604030504040204" pitchFamily="34" charset="0"/>
+              </a:rPr>
+              <a:t>gravi</a:t>
+            </a:r>
+            <a:r>
+              <a:rPr lang="it-IT" sz="2400">
+                <a:solidFill>
+                  <a:schemeClr val="tx1"/>
+                </a:solidFill>
+                <a:latin typeface="Tahoma" panose="020B0604030504040204" pitchFamily="34" charset="0"/>
+                <a:ea typeface="Tahoma" panose="020B0604030504040204" pitchFamily="34" charset="0"/>
+                <a:cs typeface="Tahoma" panose="020B0604030504040204" pitchFamily="34" charset="0"/>
+              </a:rPr>
+              <a:t>, ma i più comunemente commessi.</a:t>
+            </a:r>
+          </a:p>
+          <a:p>
+            <a:pPr marL="342900" indent="-342900" algn="just">
+              <a:lnSpc>
+                <a:spcPct val="115000"/>
+              </a:lnSpc>
+              <a:spcBef>
+                <a:spcPts val="2400"/>
+              </a:spcBef>
+              <a:buFont typeface="Wingdings" panose="05000000000000000000" pitchFamily="2" charset="2"/>
+              <a:buChar char="ü"/>
+              <a:tabLst>
+                <a:tab pos="457200" algn="l"/>
+              </a:tabLst>
+            </a:pPr>
+            <a:r>
+              <a:rPr lang="it-IT" sz="2400" b="1">
+                <a:solidFill>
+                  <a:schemeClr val="tx1"/>
+                </a:solidFill>
+                <a:latin typeface="Tahoma" panose="020B0604030504040204" pitchFamily="34" charset="0"/>
+                <a:ea typeface="Tahoma" panose="020B0604030504040204" pitchFamily="34" charset="0"/>
+                <a:cs typeface="Tahoma" panose="020B0604030504040204" pitchFamily="34" charset="0"/>
+              </a:rPr>
+              <a:t>Overflow: </a:t>
+            </a:r>
+            <a:r>
+              <a:rPr lang="it-IT" sz="2400">
+                <a:solidFill>
+                  <a:schemeClr val="tx1"/>
+                </a:solidFill>
+                <a:latin typeface="Tahoma" panose="020B0604030504040204" pitchFamily="34" charset="0"/>
+                <a:ea typeface="Tahoma" panose="020B0604030504040204" pitchFamily="34" charset="0"/>
+                <a:cs typeface="Tahoma" panose="020B0604030504040204" pitchFamily="34" charset="0"/>
+              </a:rPr>
+              <a:t>Il </a:t>
+            </a:r>
+            <a:r>
+              <a:rPr lang="it-IT" sz="2400" b="1">
+                <a:solidFill>
+                  <a:schemeClr val="tx1"/>
+                </a:solidFill>
+                <a:latin typeface="Tahoma" panose="020B0604030504040204" pitchFamily="34" charset="0"/>
+                <a:ea typeface="Tahoma" panose="020B0604030504040204" pitchFamily="34" charset="0"/>
+                <a:cs typeface="Tahoma" panose="020B0604030504040204" pitchFamily="34" charset="0"/>
+              </a:rPr>
+              <a:t>Buffer</a:t>
+            </a:r>
+            <a:r>
+              <a:rPr lang="it-IT" sz="2400">
+                <a:solidFill>
+                  <a:schemeClr val="tx1"/>
+                </a:solidFill>
+                <a:latin typeface="Tahoma" panose="020B0604030504040204" pitchFamily="34" charset="0"/>
+                <a:ea typeface="Tahoma" panose="020B0604030504040204" pitchFamily="34" charset="0"/>
+                <a:cs typeface="Tahoma" panose="020B0604030504040204" pitchFamily="34" charset="0"/>
+              </a:rPr>
+              <a:t> </a:t>
+            </a:r>
+            <a:r>
+              <a:rPr lang="it-IT" sz="2400" b="1">
+                <a:solidFill>
+                  <a:schemeClr val="tx1"/>
+                </a:solidFill>
+                <a:latin typeface="Tahoma" panose="020B0604030504040204" pitchFamily="34" charset="0"/>
+                <a:ea typeface="Tahoma" panose="020B0604030504040204" pitchFamily="34" charset="0"/>
+                <a:cs typeface="Tahoma" panose="020B0604030504040204" pitchFamily="34" charset="0"/>
+              </a:rPr>
+              <a:t>Overflow</a:t>
+            </a:r>
+            <a:r>
+              <a:rPr lang="it-IT" sz="2400">
+                <a:solidFill>
+                  <a:schemeClr val="tx1"/>
+                </a:solidFill>
+                <a:latin typeface="Tahoma" panose="020B0604030504040204" pitchFamily="34" charset="0"/>
+                <a:ea typeface="Tahoma" panose="020B0604030504040204" pitchFamily="34" charset="0"/>
+                <a:cs typeface="Tahoma" panose="020B0604030504040204" pitchFamily="34" charset="0"/>
+              </a:rPr>
+              <a:t> si verifica quando un processo tenta di archiviare dati oltre il limite fisso prestabilito: se ad esempio è possibile memorizzare solo 10 elementi, i successivi saranno scritti ripartendo dall’inizio della memoria dedicata. In base a come viene gestita la problematica di default, il sistema può bloccarsi, interrompere la scrittura dei nuovi dati, o (solitamente) riscrivere sui vecchi dati.</a:t>
+            </a:r>
+          </a:p>
+          <a:p>
+            <a:pPr marL="342900" indent="-342900" algn="just">
+              <a:lnSpc>
+                <a:spcPct val="115000"/>
+              </a:lnSpc>
+              <a:spcBef>
+                <a:spcPts val="2400"/>
+              </a:spcBef>
+              <a:buFont typeface="Wingdings" panose="05000000000000000000" pitchFamily="2" charset="2"/>
+              <a:buChar char="ü"/>
+              <a:tabLst>
+                <a:tab pos="457200" algn="l"/>
+              </a:tabLst>
+            </a:pPr>
+            <a:r>
+              <a:rPr lang="it-IT" sz="2400">
+                <a:solidFill>
+                  <a:schemeClr val="tx1"/>
+                </a:solidFill>
+                <a:latin typeface="Tahoma" panose="020B0604030504040204" pitchFamily="34" charset="0"/>
+                <a:ea typeface="Tahoma" panose="020B0604030504040204" pitchFamily="34" charset="0"/>
+                <a:cs typeface="Tahoma" panose="020B0604030504040204" pitchFamily="34" charset="0"/>
+              </a:rPr>
+              <a:t>Un Integer Overflow si verifica quando un’operazione aritmetica genera un numero troppo grande per essere rappresentato all’interno dello spazio disponibile.</a:t>
+            </a:r>
+          </a:p>
+          <a:p>
+            <a:pPr marL="342900" indent="-342900" algn="just">
+              <a:lnSpc>
+                <a:spcPct val="115000"/>
+              </a:lnSpc>
+              <a:spcBef>
+                <a:spcPts val="2400"/>
+              </a:spcBef>
+              <a:buFont typeface="Wingdings" panose="05000000000000000000" pitchFamily="2" charset="2"/>
+              <a:buChar char="ü"/>
+              <a:tabLst>
+                <a:tab pos="457200" algn="l"/>
+              </a:tabLst>
+            </a:pPr>
+            <a:endParaRPr lang="it-IT" sz="2400">
+              <a:solidFill>
+                <a:schemeClr val="tx1"/>
+              </a:solidFill>
+              <a:latin typeface="Tahoma" panose="020B0604030504040204" pitchFamily="34" charset="0"/>
+              <a:ea typeface="Tahoma" panose="020B0604030504040204" pitchFamily="34" charset="0"/>
+              <a:cs typeface="Tahoma" panose="020B0604030504040204" pitchFamily="34" charset="0"/>
+            </a:endParaRPr>
+          </a:p>
+          <a:p>
+            <a:pPr marL="342900" indent="-342900" algn="just">
+              <a:lnSpc>
+                <a:spcPct val="115000"/>
+              </a:lnSpc>
+              <a:spcBef>
+                <a:spcPts val="2400"/>
+              </a:spcBef>
+              <a:buFont typeface="Wingdings" panose="05000000000000000000" pitchFamily="2" charset="2"/>
+              <a:buChar char="ü"/>
+              <a:tabLst>
+                <a:tab pos="457200" algn="l"/>
+              </a:tabLst>
+            </a:pPr>
+            <a:endParaRPr lang="it-IT" sz="2400">
+              <a:solidFill>
+                <a:schemeClr val="tx1"/>
+              </a:solidFill>
+              <a:latin typeface="Tahoma" panose="020B0604030504040204" pitchFamily="34" charset="0"/>
+              <a:ea typeface="Tahoma" panose="020B0604030504040204" pitchFamily="34" charset="0"/>
+              <a:cs typeface="Tahoma" panose="020B0604030504040204" pitchFamily="34" charset="0"/>
+            </a:endParaRPr>
+          </a:p>
+        </p:txBody>
+      </p:sp>
+      <p:sp>
+        <p:nvSpPr>
+          <p:cNvPr id="7" name="Segnaposto numero diapositiva 6">
+            <a:extLst>
+              <a:ext uri="{FF2B5EF4-FFF2-40B4-BE49-F238E27FC236}">
+                <a16:creationId xmlns:a16="http://schemas.microsoft.com/office/drawing/2014/main" id="{AB740BE9-E218-4144-BFDE-AE473D230A3D}"/>
+              </a:ext>
+            </a:extLst>
+          </p:cNvPr>
+          <p:cNvSpPr>
+            <a:spLocks noGrp="1"/>
+          </p:cNvSpPr>
+          <p:nvPr>
+            <p:ph type="sldNum" sz="quarter" idx="12"/>
+          </p:nvPr>
+        </p:nvSpPr>
+        <p:spPr/>
+        <p:txBody>
+          <a:bodyPr/>
+          <a:lstStyle/>
+          <a:p>
+            <a:pPr>
+              <a:defRPr/>
+            </a:pPr>
+            <a:fld id="{48B4153A-D4C5-4CEF-8992-0D8815C829E3}" type="slidenum">
+              <a:rPr lang="en-US" smtClean="0"/>
+              <a:pPr>
+                <a:defRPr/>
+              </a:pPr>
+              <a:t>6</a:t>
+            </a:fld>
+            <a:endParaRPr lang="en-US" dirty="0"/>
+          </a:p>
+        </p:txBody>
+      </p:sp>
+      <p:sp>
+        <p:nvSpPr>
+          <p:cNvPr id="6" name="Titolo 4">
+            <a:extLst>
+              <a:ext uri="{FF2B5EF4-FFF2-40B4-BE49-F238E27FC236}">
+                <a16:creationId xmlns:a16="http://schemas.microsoft.com/office/drawing/2014/main" id="{CF9A4806-60B4-80DC-1F76-D2EB3E6C376B}"/>
+              </a:ext>
+            </a:extLst>
+          </p:cNvPr>
+          <p:cNvSpPr>
+            <a:spLocks noGrp="1"/>
+          </p:cNvSpPr>
+          <p:nvPr>
+            <p:ph type="title"/>
+          </p:nvPr>
+        </p:nvSpPr>
+        <p:spPr>
+          <a:xfrm>
+            <a:off x="461169" y="422999"/>
+            <a:ext cx="11269662" cy="384721"/>
+          </a:xfrm>
+        </p:spPr>
+        <p:txBody>
+          <a:bodyPr/>
+          <a:lstStyle/>
+          <a:p>
+            <a:r>
+              <a:rPr lang="it-IT">
+                <a:solidFill>
+                  <a:schemeClr val="tx1"/>
+                </a:solidFill>
+                <a:latin typeface="Tahoma" panose="020B0604030504040204" pitchFamily="34" charset="0"/>
+                <a:ea typeface="Tahoma" panose="020B0604030504040204" pitchFamily="34" charset="0"/>
+                <a:cs typeface="Tahoma" panose="020B0604030504040204" pitchFamily="34" charset="0"/>
+              </a:rPr>
+              <a:t>Vulnerabilità Note</a:t>
+            </a:r>
+            <a:endParaRPr lang="it-IT" dirty="0"/>
+          </a:p>
+        </p:txBody>
+      </p:sp>
+    </p:spTree>
+    <p:extLst>
+      <p:ext uri="{BB962C8B-B14F-4D97-AF65-F5344CB8AC3E}">
+        <p14:creationId xmlns:p14="http://schemas.microsoft.com/office/powerpoint/2010/main" val="3900010204"/>
+      </p:ext>
+    </p:extLst>
+  </p:cSld>
+  <p:clrMapOvr>
+    <a:masterClrMapping/>
+  </p:clrMapOvr>
+</p:sld>
+</file>
+
+<file path=ppt/slides/slide7.xml><?xml version="1.0" encoding="utf-8"?>
+<p:sld xmlns:a="http://schemas.openxmlformats.org/drawingml/2006/main" xmlns:r="http://schemas.openxmlformats.org/officeDocument/2006/relationships" xmlns:p="http://schemas.openxmlformats.org/presentationml/2006/main">
+  <p:cSld>
+    <p:spTree>
+      <p:nvGrpSpPr>
+        <p:cNvPr id="1" name=""/>
+        <p:cNvGrpSpPr/>
+        <p:nvPr/>
+      </p:nvGrpSpPr>
+      <p:grpSpPr>
+        <a:xfrm>
+          <a:off x="0" y="0"/>
+          <a:ext cx="0" cy="0"/>
+          <a:chOff x="0" y="0"/>
+          <a:chExt cx="0" cy="0"/>
+        </a:xfrm>
+      </p:grpSpPr>
+      <p:sp>
+        <p:nvSpPr>
+          <p:cNvPr id="7" name="Segnaposto numero diapositiva 6">
+            <a:extLst>
+              <a:ext uri="{FF2B5EF4-FFF2-40B4-BE49-F238E27FC236}">
+                <a16:creationId xmlns:a16="http://schemas.microsoft.com/office/drawing/2014/main" id="{AB740BE9-E218-4144-BFDE-AE473D230A3D}"/>
+              </a:ext>
+            </a:extLst>
+          </p:cNvPr>
+          <p:cNvSpPr>
+            <a:spLocks noGrp="1"/>
+          </p:cNvSpPr>
+          <p:nvPr>
+            <p:ph type="sldNum" sz="quarter" idx="12"/>
+          </p:nvPr>
+        </p:nvSpPr>
+        <p:spPr/>
+        <p:txBody>
+          <a:bodyPr/>
+          <a:lstStyle/>
+          <a:p>
+            <a:pPr>
+              <a:defRPr/>
+            </a:pPr>
+            <a:fld id="{48B4153A-D4C5-4CEF-8992-0D8815C829E3}" type="slidenum">
+              <a:rPr lang="en-US" smtClean="0"/>
+              <a:pPr>
+                <a:defRPr/>
+              </a:pPr>
+              <a:t>7</a:t>
+            </a:fld>
+            <a:endParaRPr lang="en-US" dirty="0"/>
+          </a:p>
+        </p:txBody>
+      </p:sp>
+      <p:sp>
+        <p:nvSpPr>
           <p:cNvPr id="5" name="Titolo 4">
             <a:extLst>
               <a:ext uri="{FF2B5EF4-FFF2-40B4-BE49-F238E27FC236}">
@@ -7313,6 +9490,41 @@
           </a:p>
           <a:p>
             <a:endParaRPr lang="it-IT" dirty="0"/>
+          </a:p>
+        </p:txBody>
+      </p:sp>
+      <p:sp>
+        <p:nvSpPr>
+          <p:cNvPr id="4" name="CasellaDiTesto 3">
+            <a:extLst>
+              <a:ext uri="{FF2B5EF4-FFF2-40B4-BE49-F238E27FC236}">
+                <a16:creationId xmlns:a16="http://schemas.microsoft.com/office/drawing/2014/main" id="{376E9DA4-919D-E00C-185D-E4D8388BF18C}"/>
+              </a:ext>
+            </a:extLst>
+          </p:cNvPr>
+          <p:cNvSpPr txBox="1"/>
+          <p:nvPr/>
+        </p:nvSpPr>
+        <p:spPr>
+          <a:xfrm>
+            <a:off x="825119" y="1388526"/>
+            <a:ext cx="6098344" cy="923330"/>
+          </a:xfrm>
+          <a:prstGeom prst="rect">
+            <a:avLst/>
+          </a:prstGeom>
+          <a:noFill/>
+        </p:spPr>
+        <p:txBody>
+          <a:bodyPr wrap="square">
+            <a:spAutoFit/>
+          </a:bodyPr>
+          <a:lstStyle/>
+          <a:p>
+            <a:r>
+              <a:rPr lang="it-IT"/>
+              <a:t>https://www.cybersecurity360.it/cybersecurity-nazionale/secure-coding-regole-e-linee-guida-per-lo-sviluppo-software-sicuro/</a:t>
+            </a:r>
           </a:p>
         </p:txBody>
       </p:sp>
@@ -8081,6 +10293,29 @@
 </file>
 
 <file path=customXml/item2.xml><?xml version="1.0" encoding="utf-8"?>
+<p:properties xmlns:p="http://schemas.microsoft.com/office/2006/metadata/properties" xmlns:xsi="http://www.w3.org/2001/XMLSchema-instance" xmlns:pc="http://schemas.microsoft.com/office/infopath/2007/PartnerControls">
+  <documentManagement>
+    <SottoCategoria xmlns="679261c3-551f-4e86-913f-177e0e529669">-</SottoCategoria>
+    <Categoria xmlns="c58f2efd-82a8-4ecf-b395-8c25e928921d">Power Point</Categoria>
+    <_dlc_DocId xmlns="459159c4-d20a-4ff3-9b11-fbd127bd52e5">INTRANET-14-158</_dlc_DocId>
+    <_dlc_DocIdUrl xmlns="459159c4-d20a-4ff3-9b11-fbd127bd52e5">
+      <Url>https://intranet.istat.it/Collaborativi/_layouts/15/DocIdRedir.aspx?ID=INTRANET-14-158</Url>
+      <Description>INTRANET-14-158</Description>
+    </_dlc_DocIdUrl>
+  </documentManagement>
+</p:properties>
+</file>
+
+<file path=customXml/item3.xml><?xml version="1.0" encoding="utf-8"?>
+<?mso-contentType ?>
+<FormTemplates xmlns="http://schemas.microsoft.com/sharepoint/v3/contenttype/forms">
+  <Display>DocumentLibraryForm</Display>
+  <Edit>DocumentLibraryForm</Edit>
+  <New>DocumentLibraryForm</New>
+</FormTemplates>
+</file>
+
+<file path=customXml/item4.xml><?xml version="1.0" encoding="utf-8"?>
 <?mso-contentType ?>
 <spe:Receivers xmlns:spe="http://schemas.microsoft.com/sharepoint/events">
   <Receiver>
@@ -8130,29 +10365,6 @@
 </spe:Receivers>
 </file>
 
-<file path=customXml/item3.xml><?xml version="1.0" encoding="utf-8"?>
-<?mso-contentType ?>
-<FormTemplates xmlns="http://schemas.microsoft.com/sharepoint/v3/contenttype/forms">
-  <Display>DocumentLibraryForm</Display>
-  <Edit>DocumentLibraryForm</Edit>
-  <New>DocumentLibraryForm</New>
-</FormTemplates>
-</file>
-
-<file path=customXml/item4.xml><?xml version="1.0" encoding="utf-8"?>
-<p:properties xmlns:p="http://schemas.microsoft.com/office/2006/metadata/properties" xmlns:xsi="http://www.w3.org/2001/XMLSchema-instance" xmlns:pc="http://schemas.microsoft.com/office/infopath/2007/PartnerControls">
-  <documentManagement>
-    <SottoCategoria xmlns="679261c3-551f-4e86-913f-177e0e529669">-</SottoCategoria>
-    <Categoria xmlns="c58f2efd-82a8-4ecf-b395-8c25e928921d">Power Point</Categoria>
-    <_dlc_DocId xmlns="459159c4-d20a-4ff3-9b11-fbd127bd52e5">INTRANET-14-158</_dlc_DocId>
-    <_dlc_DocIdUrl xmlns="459159c4-d20a-4ff3-9b11-fbd127bd52e5">
-      <Url>https://intranet.istat.it/Collaborativi/_layouts/15/DocIdRedir.aspx?ID=INTRANET-14-158</Url>
-      <Description>INTRANET-14-158</Description>
-    </_dlc_DocIdUrl>
-  </documentManagement>
-</p:properties>
-</file>
-
 <file path=customXml/itemProps1.xml><?xml version="1.0" encoding="utf-8"?>
 <ds:datastoreItem xmlns:ds="http://schemas.openxmlformats.org/officeDocument/2006/customXml" ds:itemID="{3F66F418-6054-4EA5-BF8E-6AF3CEAE6265}">
   <ds:schemaRefs>
@@ -8174,22 +10386,6 @@
 </file>
 
 <file path=customXml/itemProps2.xml><?xml version="1.0" encoding="utf-8"?>
-<ds:datastoreItem xmlns:ds="http://schemas.openxmlformats.org/officeDocument/2006/customXml" ds:itemID="{D9296C4F-9DE9-4B43-AA80-1FC85656CFFA}">
-  <ds:schemaRefs>
-    <ds:schemaRef ds:uri="http://schemas.microsoft.com/sharepoint/events"/>
-  </ds:schemaRefs>
-</ds:datastoreItem>
-</file>
-
-<file path=customXml/itemProps3.xml><?xml version="1.0" encoding="utf-8"?>
-<ds:datastoreItem xmlns:ds="http://schemas.openxmlformats.org/officeDocument/2006/customXml" ds:itemID="{BD9C238D-4D5C-4783-820B-4854DCE45D41}">
-  <ds:schemaRefs>
-    <ds:schemaRef ds:uri="http://schemas.microsoft.com/sharepoint/v3/contenttype/forms"/>
-  </ds:schemaRefs>
-</ds:datastoreItem>
-</file>
-
-<file path=customXml/itemProps4.xml><?xml version="1.0" encoding="utf-8"?>
 <ds:datastoreItem xmlns:ds="http://schemas.openxmlformats.org/officeDocument/2006/customXml" ds:itemID="{3EF378BC-F4D0-4510-B4EC-07B6EFE18CF8}">
   <ds:schemaRefs>
     <ds:schemaRef ds:uri="http://schemas.microsoft.com/office/infopath/2007/PartnerControls"/>
@@ -8205,4 +10401,20 @@
     <ds:schemaRef ds:uri="http://purl.org/dc/dcmitype/"/>
   </ds:schemaRefs>
 </ds:datastoreItem>
+</file>
+
+<file path=customXml/itemProps3.xml><?xml version="1.0" encoding="utf-8"?>
+<ds:datastoreItem xmlns:ds="http://schemas.openxmlformats.org/officeDocument/2006/customXml" ds:itemID="{BD9C238D-4D5C-4783-820B-4854DCE45D41}">
+  <ds:schemaRefs>
+    <ds:schemaRef ds:uri="http://schemas.microsoft.com/sharepoint/v3/contenttype/forms"/>
+  </ds:schemaRefs>
+</ds:datastoreItem>
+</file>
+
+<file path=customXml/itemProps4.xml><?xml version="1.0" encoding="utf-8"?>
+<ds:datastoreItem xmlns:ds="http://schemas.openxmlformats.org/officeDocument/2006/customXml" ds:itemID="{D9296C4F-9DE9-4B43-AA80-1FC85656CFFA}">
+  <ds:schemaRefs>
+    <ds:schemaRef ds:uri="http://schemas.microsoft.com/sharepoint/events"/>
+  </ds:schemaRefs>
+</ds:datastoreItem>
 </file>
--- a/Assicurazioni/Tecniche per lo sviluppo di codice sicuro_ita.pptx
+++ b/Assicurazioni/Tecniche per lo sviluppo di codice sicuro_ita.pptx
@@ -272,7 +272,7 @@
               <a:pPr>
                 <a:defRPr/>
               </a:pPr>
-              <a:t>3/27/2023</a:t>
+              <a:t>3/28/2023</a:t>
             </a:fld>
             <a:endParaRPr lang="en-US"/>
           </a:p>
@@ -9053,8 +9053,8 @@
         </p:nvSpPr>
         <p:spPr>
           <a:xfrm>
-            <a:off x="326297" y="1213806"/>
-            <a:ext cx="11546835" cy="4392612"/>
+            <a:off x="154745" y="1213806"/>
+            <a:ext cx="11859064" cy="4392612"/>
           </a:xfrm>
         </p:spPr>
         <p:txBody>
@@ -9208,7 +9208,117 @@
                 <a:ea typeface="Tahoma" panose="020B0604030504040204" pitchFamily="34" charset="0"/>
                 <a:cs typeface="Tahoma" panose="020B0604030504040204" pitchFamily="34" charset="0"/>
               </a:rPr>
-              <a:t> si verifica quando un processo tenta di archiviare dati oltre il limite fisso prestabilito: se ad esempio è possibile memorizzare solo 10 elementi, i successivi saranno scritti ripartendo dall’inizio della memoria dedicata. In base a come viene gestita la problematica di default, il sistema può bloccarsi, interrompere la scrittura dei nuovi dati, o (solitamente) riscrivere sui vecchi dati.</a:t>
+              <a:t> si verifica quando un </a:t>
+            </a:r>
+            <a:r>
+              <a:rPr lang="it-IT" sz="2400" b="1">
+                <a:solidFill>
+                  <a:schemeClr val="tx1"/>
+                </a:solidFill>
+                <a:latin typeface="Tahoma" panose="020B0604030504040204" pitchFamily="34" charset="0"/>
+                <a:ea typeface="Tahoma" panose="020B0604030504040204" pitchFamily="34" charset="0"/>
+                <a:cs typeface="Tahoma" panose="020B0604030504040204" pitchFamily="34" charset="0"/>
+              </a:rPr>
+              <a:t>processo</a:t>
+            </a:r>
+            <a:r>
+              <a:rPr lang="it-IT" sz="2400">
+                <a:solidFill>
+                  <a:schemeClr val="tx1"/>
+                </a:solidFill>
+                <a:latin typeface="Tahoma" panose="020B0604030504040204" pitchFamily="34" charset="0"/>
+                <a:ea typeface="Tahoma" panose="020B0604030504040204" pitchFamily="34" charset="0"/>
+                <a:cs typeface="Tahoma" panose="020B0604030504040204" pitchFamily="34" charset="0"/>
+              </a:rPr>
+              <a:t> tenta di archiviare dati oltre il </a:t>
+            </a:r>
+            <a:r>
+              <a:rPr lang="it-IT" sz="2400" b="1">
+                <a:solidFill>
+                  <a:schemeClr val="tx1"/>
+                </a:solidFill>
+                <a:latin typeface="Tahoma" panose="020B0604030504040204" pitchFamily="34" charset="0"/>
+                <a:ea typeface="Tahoma" panose="020B0604030504040204" pitchFamily="34" charset="0"/>
+                <a:cs typeface="Tahoma" panose="020B0604030504040204" pitchFamily="34" charset="0"/>
+              </a:rPr>
+              <a:t>limite</a:t>
+            </a:r>
+            <a:r>
+              <a:rPr lang="it-IT" sz="2400">
+                <a:solidFill>
+                  <a:schemeClr val="tx1"/>
+                </a:solidFill>
+                <a:latin typeface="Tahoma" panose="020B0604030504040204" pitchFamily="34" charset="0"/>
+                <a:ea typeface="Tahoma" panose="020B0604030504040204" pitchFamily="34" charset="0"/>
+                <a:cs typeface="Tahoma" panose="020B0604030504040204" pitchFamily="34" charset="0"/>
+              </a:rPr>
+              <a:t> </a:t>
+            </a:r>
+            <a:r>
+              <a:rPr lang="it-IT" sz="2400" b="1">
+                <a:solidFill>
+                  <a:schemeClr val="tx1"/>
+                </a:solidFill>
+                <a:latin typeface="Tahoma" panose="020B0604030504040204" pitchFamily="34" charset="0"/>
+                <a:ea typeface="Tahoma" panose="020B0604030504040204" pitchFamily="34" charset="0"/>
+                <a:cs typeface="Tahoma" panose="020B0604030504040204" pitchFamily="34" charset="0"/>
+              </a:rPr>
+              <a:t>fisso</a:t>
+            </a:r>
+            <a:r>
+              <a:rPr lang="it-IT" sz="2400">
+                <a:solidFill>
+                  <a:schemeClr val="tx1"/>
+                </a:solidFill>
+                <a:latin typeface="Tahoma" panose="020B0604030504040204" pitchFamily="34" charset="0"/>
+                <a:ea typeface="Tahoma" panose="020B0604030504040204" pitchFamily="34" charset="0"/>
+                <a:cs typeface="Tahoma" panose="020B0604030504040204" pitchFamily="34" charset="0"/>
+              </a:rPr>
+              <a:t> </a:t>
+            </a:r>
+            <a:r>
+              <a:rPr lang="it-IT" sz="2400" b="1">
+                <a:solidFill>
+                  <a:schemeClr val="tx1"/>
+                </a:solidFill>
+                <a:latin typeface="Tahoma" panose="020B0604030504040204" pitchFamily="34" charset="0"/>
+                <a:ea typeface="Tahoma" panose="020B0604030504040204" pitchFamily="34" charset="0"/>
+                <a:cs typeface="Tahoma" panose="020B0604030504040204" pitchFamily="34" charset="0"/>
+              </a:rPr>
+              <a:t>prestabilito. </a:t>
+            </a:r>
+            <a:r>
+              <a:rPr lang="it-IT" sz="2400">
+                <a:solidFill>
+                  <a:schemeClr val="tx1"/>
+                </a:solidFill>
+                <a:latin typeface="Tahoma" panose="020B0604030504040204" pitchFamily="34" charset="0"/>
+                <a:ea typeface="Tahoma" panose="020B0604030504040204" pitchFamily="34" charset="0"/>
+                <a:cs typeface="Tahoma" panose="020B0604030504040204" pitchFamily="34" charset="0"/>
+              </a:rPr>
+              <a:t>Se ad esempio è possibile memorizzare solo 10 elementi, i successivi saranno scritti ripartendo dall’inizio della memoria dedicata. In base a come viene gestita la </a:t>
+            </a:r>
+            <a:r>
+              <a:rPr lang="it-IT" sz="2400" b="1">
+                <a:solidFill>
+                  <a:schemeClr val="tx1"/>
+                </a:solidFill>
+                <a:latin typeface="Tahoma" panose="020B0604030504040204" pitchFamily="34" charset="0"/>
+                <a:ea typeface="Tahoma" panose="020B0604030504040204" pitchFamily="34" charset="0"/>
+                <a:cs typeface="Tahoma" panose="020B0604030504040204" pitchFamily="34" charset="0"/>
+              </a:rPr>
+              <a:t>problematica</a:t>
+            </a:r>
+            <a:r>
+              <a:rPr lang="it-IT" sz="2400">
+                <a:solidFill>
+                  <a:schemeClr val="tx1"/>
+                </a:solidFill>
+                <a:latin typeface="Tahoma" panose="020B0604030504040204" pitchFamily="34" charset="0"/>
+                <a:ea typeface="Tahoma" panose="020B0604030504040204" pitchFamily="34" charset="0"/>
+                <a:cs typeface="Tahoma" panose="020B0604030504040204" pitchFamily="34" charset="0"/>
+              </a:rPr>
+              <a:t> di default, il sistema può bloccarsi, interrompere la scrittura dei nuovi dati, o (solitamente) riscrivere sui vecchi dati.</a:t>
             </a:r>
           </a:p>
           <a:p>
@@ -9234,7 +9344,95 @@
                 <a:ea typeface="Tahoma" panose="020B0604030504040204" pitchFamily="34" charset="0"/>
                 <a:cs typeface="Tahoma" panose="020B0604030504040204" pitchFamily="34" charset="0"/>
               </a:rPr>
-              <a:t>Un Integer Overflow si verifica quando un’operazione aritmetica genera un numero troppo grande per essere rappresentato all’interno dello spazio disponibile.</a:t>
+              <a:t>Un </a:t>
+            </a:r>
+            <a:r>
+              <a:rPr lang="it-IT" sz="2400" b="1">
+                <a:solidFill>
+                  <a:schemeClr val="tx1"/>
+                </a:solidFill>
+                <a:latin typeface="Tahoma" panose="020B0604030504040204" pitchFamily="34" charset="0"/>
+                <a:ea typeface="Tahoma" panose="020B0604030504040204" pitchFamily="34" charset="0"/>
+                <a:cs typeface="Tahoma" panose="020B0604030504040204" pitchFamily="34" charset="0"/>
+              </a:rPr>
+              <a:t>Integer</a:t>
+            </a:r>
+            <a:r>
+              <a:rPr lang="it-IT" sz="2400">
+                <a:solidFill>
+                  <a:schemeClr val="tx1"/>
+                </a:solidFill>
+                <a:latin typeface="Tahoma" panose="020B0604030504040204" pitchFamily="34" charset="0"/>
+                <a:ea typeface="Tahoma" panose="020B0604030504040204" pitchFamily="34" charset="0"/>
+                <a:cs typeface="Tahoma" panose="020B0604030504040204" pitchFamily="34" charset="0"/>
+              </a:rPr>
+              <a:t> </a:t>
+            </a:r>
+            <a:r>
+              <a:rPr lang="it-IT" sz="2400" b="1">
+                <a:solidFill>
+                  <a:schemeClr val="tx1"/>
+                </a:solidFill>
+                <a:latin typeface="Tahoma" panose="020B0604030504040204" pitchFamily="34" charset="0"/>
+                <a:ea typeface="Tahoma" panose="020B0604030504040204" pitchFamily="34" charset="0"/>
+                <a:cs typeface="Tahoma" panose="020B0604030504040204" pitchFamily="34" charset="0"/>
+              </a:rPr>
+              <a:t>Overflow</a:t>
+            </a:r>
+            <a:r>
+              <a:rPr lang="it-IT" sz="2400">
+                <a:solidFill>
+                  <a:schemeClr val="tx1"/>
+                </a:solidFill>
+                <a:latin typeface="Tahoma" panose="020B0604030504040204" pitchFamily="34" charset="0"/>
+                <a:ea typeface="Tahoma" panose="020B0604030504040204" pitchFamily="34" charset="0"/>
+                <a:cs typeface="Tahoma" panose="020B0604030504040204" pitchFamily="34" charset="0"/>
+              </a:rPr>
+              <a:t> si verifica quando un’operazione aritmetica genera un numero troppo grande per essere rappresentato all’interno dello </a:t>
+            </a:r>
+            <a:r>
+              <a:rPr lang="it-IT" sz="2400" b="1">
+                <a:solidFill>
+                  <a:schemeClr val="tx1"/>
+                </a:solidFill>
+                <a:latin typeface="Tahoma" panose="020B0604030504040204" pitchFamily="34" charset="0"/>
+                <a:ea typeface="Tahoma" panose="020B0604030504040204" pitchFamily="34" charset="0"/>
+                <a:cs typeface="Tahoma" panose="020B0604030504040204" pitchFamily="34" charset="0"/>
+              </a:rPr>
+              <a:t>spazio</a:t>
+            </a:r>
+            <a:r>
+              <a:rPr lang="it-IT" sz="2400">
+                <a:solidFill>
+                  <a:schemeClr val="tx1"/>
+                </a:solidFill>
+                <a:latin typeface="Tahoma" panose="020B0604030504040204" pitchFamily="34" charset="0"/>
+                <a:ea typeface="Tahoma" panose="020B0604030504040204" pitchFamily="34" charset="0"/>
+                <a:cs typeface="Tahoma" panose="020B0604030504040204" pitchFamily="34" charset="0"/>
+              </a:rPr>
+              <a:t> </a:t>
+            </a:r>
+            <a:r>
+              <a:rPr lang="it-IT" sz="2400" b="1">
+                <a:solidFill>
+                  <a:schemeClr val="tx1"/>
+                </a:solidFill>
+                <a:latin typeface="Tahoma" panose="020B0604030504040204" pitchFamily="34" charset="0"/>
+                <a:ea typeface="Tahoma" panose="020B0604030504040204" pitchFamily="34" charset="0"/>
+                <a:cs typeface="Tahoma" panose="020B0604030504040204" pitchFamily="34" charset="0"/>
+              </a:rPr>
+              <a:t>disponibile</a:t>
+            </a:r>
+            <a:r>
+              <a:rPr lang="it-IT" sz="2400">
+                <a:solidFill>
+                  <a:schemeClr val="tx1"/>
+                </a:solidFill>
+                <a:latin typeface="Tahoma" panose="020B0604030504040204" pitchFamily="34" charset="0"/>
+                <a:ea typeface="Tahoma" panose="020B0604030504040204" pitchFamily="34" charset="0"/>
+                <a:cs typeface="Tahoma" panose="020B0604030504040204" pitchFamily="34" charset="0"/>
+              </a:rPr>
+              <a:t>.</a:t>
             </a:r>
           </a:p>
           <a:p>
@@ -10106,6 +10304,20 @@
 </file>
 
 <file path=customXml/item1.xml><?xml version="1.0" encoding="utf-8"?>
+<p:properties xmlns:p="http://schemas.microsoft.com/office/2006/metadata/properties" xmlns:xsi="http://www.w3.org/2001/XMLSchema-instance" xmlns:pc="http://schemas.microsoft.com/office/infopath/2007/PartnerControls">
+  <documentManagement>
+    <SottoCategoria xmlns="679261c3-551f-4e86-913f-177e0e529669">-</SottoCategoria>
+    <Categoria xmlns="c58f2efd-82a8-4ecf-b395-8c25e928921d">Power Point</Categoria>
+    <_dlc_DocId xmlns="459159c4-d20a-4ff3-9b11-fbd127bd52e5">INTRANET-14-158</_dlc_DocId>
+    <_dlc_DocIdUrl xmlns="459159c4-d20a-4ff3-9b11-fbd127bd52e5">
+      <Url>https://intranet.istat.it/Collaborativi/_layouts/15/DocIdRedir.aspx?ID=INTRANET-14-158</Url>
+      <Description>INTRANET-14-158</Description>
+    </_dlc_DocIdUrl>
+  </documentManagement>
+</p:properties>
+</file>
+
+<file path=customXml/item2.xml><?xml version="1.0" encoding="utf-8"?>
 <ct:contentTypeSchema xmlns:ct="http://schemas.microsoft.com/office/2006/metadata/contentType" xmlns:ma="http://schemas.microsoft.com/office/2006/metadata/properties/metaAttributes" ct:_="" ma:_="" ma:contentTypeName="Documento" ma:contentTypeID="0x010100661A2BE3120D674DA36C11D6006822D4" ma:contentTypeVersion="3" ma:contentTypeDescription="Creare un nuovo documento." ma:contentTypeScope="" ma:versionID="2ad8b07f9840a1ce9cd199d874146b74">
   <xsd:schema xmlns:xsd="http://www.w3.org/2001/XMLSchema" xmlns:xs="http://www.w3.org/2001/XMLSchema" xmlns:p="http://schemas.microsoft.com/office/2006/metadata/properties" xmlns:ns2="c58f2efd-82a8-4ecf-b395-8c25e928921d" xmlns:ns3="459159c4-d20a-4ff3-9b11-fbd127bd52e5" xmlns:ns4="679261c3-551f-4e86-913f-177e0e529669" targetNamespace="http://schemas.microsoft.com/office/2006/metadata/properties" ma:root="true" ma:fieldsID="fffb0e16fb90ffea59fef1085e90ecca" ns2:_="" ns3:_="" ns4:_="">
     <xsd:import namespace="c58f2efd-82a8-4ecf-b395-8c25e928921d"/>
@@ -10292,30 +10504,7 @@
 </ct:contentTypeSchema>
 </file>
 
-<file path=customXml/item2.xml><?xml version="1.0" encoding="utf-8"?>
-<p:properties xmlns:p="http://schemas.microsoft.com/office/2006/metadata/properties" xmlns:xsi="http://www.w3.org/2001/XMLSchema-instance" xmlns:pc="http://schemas.microsoft.com/office/infopath/2007/PartnerControls">
-  <documentManagement>
-    <SottoCategoria xmlns="679261c3-551f-4e86-913f-177e0e529669">-</SottoCategoria>
-    <Categoria xmlns="c58f2efd-82a8-4ecf-b395-8c25e928921d">Power Point</Categoria>
-    <_dlc_DocId xmlns="459159c4-d20a-4ff3-9b11-fbd127bd52e5">INTRANET-14-158</_dlc_DocId>
-    <_dlc_DocIdUrl xmlns="459159c4-d20a-4ff3-9b11-fbd127bd52e5">
-      <Url>https://intranet.istat.it/Collaborativi/_layouts/15/DocIdRedir.aspx?ID=INTRANET-14-158</Url>
-      <Description>INTRANET-14-158</Description>
-    </_dlc_DocIdUrl>
-  </documentManagement>
-</p:properties>
-</file>
-
 <file path=customXml/item3.xml><?xml version="1.0" encoding="utf-8"?>
-<?mso-contentType ?>
-<FormTemplates xmlns="http://schemas.microsoft.com/sharepoint/v3/contenttype/forms">
-  <Display>DocumentLibraryForm</Display>
-  <Edit>DocumentLibraryForm</Edit>
-  <New>DocumentLibraryForm</New>
-</FormTemplates>
-</file>
-
-<file path=customXml/item4.xml><?xml version="1.0" encoding="utf-8"?>
 <?mso-contentType ?>
 <spe:Receivers xmlns:spe="http://schemas.microsoft.com/sharepoint/events">
   <Receiver>
@@ -10365,7 +10554,34 @@
 </spe:Receivers>
 </file>
 
+<file path=customXml/item4.xml><?xml version="1.0" encoding="utf-8"?>
+<?mso-contentType ?>
+<FormTemplates xmlns="http://schemas.microsoft.com/sharepoint/v3/contenttype/forms">
+  <Display>DocumentLibraryForm</Display>
+  <Edit>DocumentLibraryForm</Edit>
+  <New>DocumentLibraryForm</New>
+</FormTemplates>
+</file>
+
 <file path=customXml/itemProps1.xml><?xml version="1.0" encoding="utf-8"?>
+<ds:datastoreItem xmlns:ds="http://schemas.openxmlformats.org/officeDocument/2006/customXml" ds:itemID="{3EF378BC-F4D0-4510-B4EC-07B6EFE18CF8}">
+  <ds:schemaRefs>
+    <ds:schemaRef ds:uri="http://schemas.microsoft.com/office/infopath/2007/PartnerControls"/>
+    <ds:schemaRef ds:uri="http://purl.org/dc/elements/1.1/"/>
+    <ds:schemaRef ds:uri="http://schemas.microsoft.com/office/2006/metadata/properties"/>
+    <ds:schemaRef ds:uri="http://schemas.openxmlformats.org/package/2006/metadata/core-properties"/>
+    <ds:schemaRef ds:uri="http://purl.org/dc/terms/"/>
+    <ds:schemaRef ds:uri="679261c3-551f-4e86-913f-177e0e529669"/>
+    <ds:schemaRef ds:uri="459159c4-d20a-4ff3-9b11-fbd127bd52e5"/>
+    <ds:schemaRef ds:uri="http://schemas.microsoft.com/office/2006/documentManagement/types"/>
+    <ds:schemaRef ds:uri="c58f2efd-82a8-4ecf-b395-8c25e928921d"/>
+    <ds:schemaRef ds:uri="http://www.w3.org/XML/1998/namespace"/>
+    <ds:schemaRef ds:uri="http://purl.org/dc/dcmitype/"/>
+  </ds:schemaRefs>
+</ds:datastoreItem>
+</file>
+
+<file path=customXml/itemProps2.xml><?xml version="1.0" encoding="utf-8"?>
 <ds:datastoreItem xmlns:ds="http://schemas.openxmlformats.org/officeDocument/2006/customXml" ds:itemID="{3F66F418-6054-4EA5-BF8E-6AF3CEAE6265}">
   <ds:schemaRefs>
     <ds:schemaRef ds:uri="http://schemas.microsoft.com/office/2006/metadata/contentType"/>
@@ -10385,36 +10601,18 @@
 </ds:datastoreItem>
 </file>
 
-<file path=customXml/itemProps2.xml><?xml version="1.0" encoding="utf-8"?>
-<ds:datastoreItem xmlns:ds="http://schemas.openxmlformats.org/officeDocument/2006/customXml" ds:itemID="{3EF378BC-F4D0-4510-B4EC-07B6EFE18CF8}">
+<file path=customXml/itemProps3.xml><?xml version="1.0" encoding="utf-8"?>
+<ds:datastoreItem xmlns:ds="http://schemas.openxmlformats.org/officeDocument/2006/customXml" ds:itemID="{D9296C4F-9DE9-4B43-AA80-1FC85656CFFA}">
   <ds:schemaRefs>
-    <ds:schemaRef ds:uri="http://schemas.microsoft.com/office/infopath/2007/PartnerControls"/>
-    <ds:schemaRef ds:uri="http://purl.org/dc/elements/1.1/"/>
-    <ds:schemaRef ds:uri="http://schemas.microsoft.com/office/2006/metadata/properties"/>
-    <ds:schemaRef ds:uri="http://schemas.openxmlformats.org/package/2006/metadata/core-properties"/>
-    <ds:schemaRef ds:uri="http://purl.org/dc/terms/"/>
-    <ds:schemaRef ds:uri="679261c3-551f-4e86-913f-177e0e529669"/>
-    <ds:schemaRef ds:uri="459159c4-d20a-4ff3-9b11-fbd127bd52e5"/>
-    <ds:schemaRef ds:uri="http://schemas.microsoft.com/office/2006/documentManagement/types"/>
-    <ds:schemaRef ds:uri="c58f2efd-82a8-4ecf-b395-8c25e928921d"/>
-    <ds:schemaRef ds:uri="http://www.w3.org/XML/1998/namespace"/>
-    <ds:schemaRef ds:uri="http://purl.org/dc/dcmitype/"/>
+    <ds:schemaRef ds:uri="http://schemas.microsoft.com/sharepoint/events"/>
   </ds:schemaRefs>
 </ds:datastoreItem>
 </file>
 
-<file path=customXml/itemProps3.xml><?xml version="1.0" encoding="utf-8"?>
+<file path=customXml/itemProps4.xml><?xml version="1.0" encoding="utf-8"?>
 <ds:datastoreItem xmlns:ds="http://schemas.openxmlformats.org/officeDocument/2006/customXml" ds:itemID="{BD9C238D-4D5C-4783-820B-4854DCE45D41}">
   <ds:schemaRefs>
     <ds:schemaRef ds:uri="http://schemas.microsoft.com/sharepoint/v3/contenttype/forms"/>
   </ds:schemaRefs>
 </ds:datastoreItem>
-</file>
-
-<file path=customXml/itemProps4.xml><?xml version="1.0" encoding="utf-8"?>
-<ds:datastoreItem xmlns:ds="http://schemas.openxmlformats.org/officeDocument/2006/customXml" ds:itemID="{D9296C4F-9DE9-4B43-AA80-1FC85656CFFA}">
-  <ds:schemaRefs>
-    <ds:schemaRef ds:uri="http://schemas.microsoft.com/sharepoint/events"/>
-  </ds:schemaRefs>
-</ds:datastoreItem>
 </file>